--- a/Advertising Positioning.pptx
+++ b/Advertising Positioning.pptx
@@ -7,9 +7,10 @@
   <p:sldIdLst>
     <p:sldId id="256" r:id="rId2"/>
     <p:sldId id="257" r:id="rId3"/>
-    <p:sldId id="258" r:id="rId4"/>
-    <p:sldId id="260" r:id="rId5"/>
-    <p:sldId id="259" r:id="rId6"/>
+    <p:sldId id="261" r:id="rId4"/>
+    <p:sldId id="258" r:id="rId5"/>
+    <p:sldId id="260" r:id="rId6"/>
+    <p:sldId id="259" r:id="rId7"/>
   </p:sldIdLst>
   <p:sldSz cx="9144000" cy="6858000" type="screen4x3"/>
   <p:notesSz cx="6858000" cy="9144000"/>
@@ -520,7 +521,7 @@
           <a:p>
             <a:fld id="{3E2977C2-D0E3-4FE4-B998-F85AA61B7915}" type="datetimeFigureOut">
               <a:rPr lang="en-US" smtClean="0"/>
-              <a:t>4/22/2013</a:t>
+              <a:t>4/27/2013</a:t>
             </a:fld>
             <a:endParaRPr lang="en-US"/>
           </a:p>
@@ -854,7 +855,7 @@
           <a:p>
             <a:fld id="{3E2977C2-D0E3-4FE4-B998-F85AA61B7915}" type="datetimeFigureOut">
               <a:rPr lang="en-US" smtClean="0"/>
-              <a:t>4/22/2013</a:t>
+              <a:t>4/27/2013</a:t>
             </a:fld>
             <a:endParaRPr lang="en-US"/>
           </a:p>
@@ -1244,7 +1245,7 @@
           <a:p>
             <a:fld id="{3E2977C2-D0E3-4FE4-B998-F85AA61B7915}" type="datetimeFigureOut">
               <a:rPr lang="en-US" smtClean="0"/>
-              <a:t>4/22/2013</a:t>
+              <a:t>4/27/2013</a:t>
             </a:fld>
             <a:endParaRPr lang="en-US"/>
           </a:p>
@@ -1680,7 +1681,7 @@
           <a:p>
             <a:fld id="{3E2977C2-D0E3-4FE4-B998-F85AA61B7915}" type="datetimeFigureOut">
               <a:rPr lang="en-US" smtClean="0"/>
-              <a:t>4/22/2013</a:t>
+              <a:t>4/27/2013</a:t>
             </a:fld>
             <a:endParaRPr lang="en-US"/>
           </a:p>
@@ -2113,7 +2114,7 @@
           <a:p>
             <a:fld id="{3E2977C2-D0E3-4FE4-B998-F85AA61B7915}" type="datetimeFigureOut">
               <a:rPr lang="en-US" smtClean="0"/>
-              <a:t>4/22/2013</a:t>
+              <a:t>4/27/2013</a:t>
             </a:fld>
             <a:endParaRPr lang="en-US"/>
           </a:p>
@@ -2597,7 +2598,7 @@
           <a:p>
             <a:fld id="{3E2977C2-D0E3-4FE4-B998-F85AA61B7915}" type="datetimeFigureOut">
               <a:rPr lang="en-US" smtClean="0"/>
-              <a:t>4/22/2013</a:t>
+              <a:t>4/27/2013</a:t>
             </a:fld>
             <a:endParaRPr lang="en-US"/>
           </a:p>
@@ -3183,7 +3184,7 @@
           <a:p>
             <a:fld id="{3E2977C2-D0E3-4FE4-B998-F85AA61B7915}" type="datetimeFigureOut">
               <a:rPr lang="en-US" smtClean="0"/>
-              <a:t>4/22/2013</a:t>
+              <a:t>4/27/2013</a:t>
             </a:fld>
             <a:endParaRPr lang="en-US"/>
           </a:p>
@@ -3511,7 +3512,7 @@
           <a:p>
             <a:fld id="{3E2977C2-D0E3-4FE4-B998-F85AA61B7915}" type="datetimeFigureOut">
               <a:rPr lang="en-US" smtClean="0"/>
-              <a:t>4/22/2013</a:t>
+              <a:t>4/27/2013</a:t>
             </a:fld>
             <a:endParaRPr lang="en-US"/>
           </a:p>
@@ -3760,7 +3761,7 @@
           <a:p>
             <a:fld id="{3E2977C2-D0E3-4FE4-B998-F85AA61B7915}" type="datetimeFigureOut">
               <a:rPr lang="en-US" smtClean="0"/>
-              <a:t>4/22/2013</a:t>
+              <a:t>4/27/2013</a:t>
             </a:fld>
             <a:endParaRPr lang="en-US"/>
           </a:p>
@@ -3924,7 +3925,6 @@
               <a:rPr lang="en-US" smtClean="0"/>
               <a:t>Click to edit Master title style</a:t>
             </a:r>
-            <a:endParaRPr lang="en-US" smtClean="0"/>
           </a:p>
         </p:txBody>
       </p:sp>
@@ -4264,7 +4264,7 @@
           <a:p>
             <a:fld id="{3E2977C2-D0E3-4FE4-B998-F85AA61B7915}" type="datetimeFigureOut">
               <a:rPr lang="en-US" smtClean="0"/>
-              <a:t>4/22/2013</a:t>
+              <a:t>4/27/2013</a:t>
             </a:fld>
             <a:endParaRPr lang="en-US"/>
           </a:p>
@@ -4715,7 +4715,7 @@
           <a:p>
             <a:fld id="{3E2977C2-D0E3-4FE4-B998-F85AA61B7915}" type="datetimeFigureOut">
               <a:rPr lang="en-US" smtClean="0"/>
-              <a:t>4/22/2013</a:t>
+              <a:t>4/27/2013</a:t>
             </a:fld>
             <a:endParaRPr lang="en-US"/>
           </a:p>
@@ -5117,7 +5117,7 @@
           <a:p>
             <a:fld id="{3E2977C2-D0E3-4FE4-B998-F85AA61B7915}" type="datetimeFigureOut">
               <a:rPr lang="en-US" smtClean="0"/>
-              <a:t>4/22/2013</a:t>
+              <a:t>4/27/2013</a:t>
             </a:fld>
             <a:endParaRPr lang="en-US"/>
           </a:p>
@@ -5788,35 +5788,68 @@
           <a:p>
             <a:r>
               <a:rPr lang="en-US" dirty="0" smtClean="0"/>
-              <a:t>Summary</a:t>
+              <a:t>Purchases by Location</a:t>
             </a:r>
             <a:endParaRPr lang="en-US" dirty="0"/>
           </a:p>
         </p:txBody>
       </p:sp>
-      <p:sp>
-        <p:nvSpPr>
-          <p:cNvPr id="3" name="Content Placeholder 2"/>
-          <p:cNvSpPr>
-            <a:spLocks noGrp="1"/>
-          </p:cNvSpPr>
-          <p:nvPr>
-            <p:ph idx="1"/>
-          </p:nvPr>
-        </p:nvSpPr>
-        <p:spPr/>
-        <p:txBody>
-          <a:bodyPr/>
-          <a:lstStyle/>
-          <a:p>
-            <a:endParaRPr lang="en-US"/>
-          </a:p>
-        </p:txBody>
-      </p:sp>
+      <p:pic>
+        <p:nvPicPr>
+          <p:cNvPr id="1026" name="Picture 2"/>
+          <p:cNvPicPr>
+            <a:picLocks noChangeAspect="1" noChangeArrowheads="1"/>
+          </p:cNvPicPr>
+          <p:nvPr/>
+        </p:nvPicPr>
+        <p:blipFill rotWithShape="1">
+          <a:blip r:embed="rId2">
+            <a:extLst>
+              <a:ext uri="{28A0092B-C50C-407E-A947-70E740481C1C}">
+                <a14:useLocalDpi xmlns:a14="http://schemas.microsoft.com/office/drawing/2010/main" val="0"/>
+              </a:ext>
+            </a:extLst>
+          </a:blip>
+          <a:srcRect t="12307" b="5055"/>
+          <a:stretch/>
+        </p:blipFill>
+        <p:spPr bwMode="auto">
+          <a:xfrm>
+            <a:off x="152400" y="2023841"/>
+            <a:ext cx="8839200" cy="3892871"/>
+          </a:xfrm>
+          <a:prstGeom prst="rect">
+            <a:avLst/>
+          </a:prstGeom>
+          <a:noFill/>
+          <a:ln>
+            <a:noFill/>
+          </a:ln>
+          <a:extLst>
+            <a:ext uri="{909E8E84-426E-40DD-AFC4-6F175D3DCCD1}">
+              <a14:hiddenFill xmlns:a14="http://schemas.microsoft.com/office/drawing/2010/main">
+                <a:solidFill>
+                  <a:schemeClr val="accent1"/>
+                </a:solidFill>
+              </a14:hiddenFill>
+            </a:ext>
+            <a:ext uri="{91240B29-F687-4F45-9708-019B960494DF}">
+              <a14:hiddenLine xmlns:a14="http://schemas.microsoft.com/office/drawing/2010/main" w="9525">
+                <a:solidFill>
+                  <a:schemeClr val="tx1"/>
+                </a:solidFill>
+                <a:miter lim="800000"/>
+                <a:headEnd/>
+                <a:tailEnd/>
+              </a14:hiddenLine>
+            </a:ext>
+          </a:extLst>
+        </p:spPr>
+      </p:pic>
     </p:spTree>
     <p:extLst>
       <p:ext uri="{BB962C8B-B14F-4D97-AF65-F5344CB8AC3E}">
-        <p14:creationId xmlns:p14="http://schemas.microsoft.com/office/powerpoint/2010/main" val="2721953889"/>
+        <p14:creationId xmlns:p14="http://schemas.microsoft.com/office/powerpoint/2010/main" val="2858113682"/>
       </p:ext>
     </p:extLst>
   </p:cSld>
@@ -5860,6 +5893,78 @@
           <a:p>
             <a:r>
               <a:rPr lang="en-US" dirty="0" smtClean="0"/>
+              <a:t>Summary</a:t>
+            </a:r>
+            <a:endParaRPr lang="en-US" dirty="0"/>
+          </a:p>
+        </p:txBody>
+      </p:sp>
+      <p:sp>
+        <p:nvSpPr>
+          <p:cNvPr id="3" name="Content Placeholder 2"/>
+          <p:cNvSpPr>
+            <a:spLocks noGrp="1"/>
+          </p:cNvSpPr>
+          <p:nvPr>
+            <p:ph idx="1"/>
+          </p:nvPr>
+        </p:nvSpPr>
+        <p:spPr/>
+        <p:txBody>
+          <a:bodyPr/>
+          <a:lstStyle/>
+          <a:p>
+            <a:endParaRPr lang="en-US"/>
+          </a:p>
+        </p:txBody>
+      </p:sp>
+    </p:spTree>
+    <p:extLst>
+      <p:ext uri="{BB962C8B-B14F-4D97-AF65-F5344CB8AC3E}">
+        <p14:creationId xmlns:p14="http://schemas.microsoft.com/office/powerpoint/2010/main" val="2721953889"/>
+      </p:ext>
+    </p:extLst>
+  </p:cSld>
+  <p:clrMapOvr>
+    <a:masterClrMapping/>
+  </p:clrMapOvr>
+</p:sld>
+</file>
+
+<file path=ppt/slides/slide5.xml><?xml version="1.0" encoding="utf-8"?>
+<p:sld xmlns:a="http://schemas.openxmlformats.org/drawingml/2006/main" xmlns:r="http://schemas.openxmlformats.org/officeDocument/2006/relationships" xmlns:p="http://schemas.openxmlformats.org/presentationml/2006/main">
+  <p:cSld>
+    <p:spTree>
+      <p:nvGrpSpPr>
+        <p:cNvPr id="1" name=""/>
+        <p:cNvGrpSpPr/>
+        <p:nvPr/>
+      </p:nvGrpSpPr>
+      <p:grpSpPr>
+        <a:xfrm>
+          <a:off x="0" y="0"/>
+          <a:ext cx="0" cy="0"/>
+          <a:chOff x="0" y="0"/>
+          <a:chExt cx="0" cy="0"/>
+        </a:xfrm>
+      </p:grpSpPr>
+      <p:sp>
+        <p:nvSpPr>
+          <p:cNvPr id="2" name="Title 1"/>
+          <p:cNvSpPr>
+            <a:spLocks noGrp="1"/>
+          </p:cNvSpPr>
+          <p:nvPr>
+            <p:ph type="title"/>
+          </p:nvPr>
+        </p:nvSpPr>
+        <p:spPr/>
+        <p:txBody>
+          <a:bodyPr/>
+          <a:lstStyle/>
+          <a:p>
+            <a:r>
+              <a:rPr lang="en-US" dirty="0" smtClean="0"/>
               <a:t>References</a:t>
             </a:r>
             <a:endParaRPr lang="en-US" dirty="0"/>
@@ -5944,7 +6049,7 @@
 </p:sld>
 </file>
 
-<file path=ppt/slides/slide5.xml><?xml version="1.0" encoding="utf-8"?>
+<file path=ppt/slides/slide6.xml><?xml version="1.0" encoding="utf-8"?>
 <p:sld xmlns:a="http://schemas.openxmlformats.org/drawingml/2006/main" xmlns:r="http://schemas.openxmlformats.org/officeDocument/2006/relationships" xmlns:p="http://schemas.openxmlformats.org/presentationml/2006/main">
   <p:cSld>
     <p:spTree>

--- a/Advertising Positioning.pptx
+++ b/Advertising Positioning.pptx
@@ -7,10 +7,13 @@
   <p:sldIdLst>
     <p:sldId id="256" r:id="rId2"/>
     <p:sldId id="257" r:id="rId3"/>
-    <p:sldId id="261" r:id="rId4"/>
-    <p:sldId id="258" r:id="rId5"/>
-    <p:sldId id="260" r:id="rId6"/>
-    <p:sldId id="259" r:id="rId7"/>
+    <p:sldId id="264" r:id="rId4"/>
+    <p:sldId id="263" r:id="rId5"/>
+    <p:sldId id="262" r:id="rId6"/>
+    <p:sldId id="261" r:id="rId7"/>
+    <p:sldId id="258" r:id="rId8"/>
+    <p:sldId id="260" r:id="rId9"/>
+    <p:sldId id="259" r:id="rId10"/>
   </p:sldIdLst>
   <p:sldSz cx="9144000" cy="6858000" type="screen4x3"/>
   <p:notesSz cx="6858000" cy="9144000"/>
@@ -5788,6 +5791,321 @@
           <a:p>
             <a:r>
               <a:rPr lang="en-US" dirty="0" smtClean="0"/>
+              <a:t>Purchases by Customer</a:t>
+            </a:r>
+            <a:endParaRPr lang="en-US" dirty="0"/>
+          </a:p>
+        </p:txBody>
+      </p:sp>
+      <p:pic>
+        <p:nvPicPr>
+          <p:cNvPr id="4099" name="Picture 3"/>
+          <p:cNvPicPr>
+            <a:picLocks noChangeAspect="1" noChangeArrowheads="1"/>
+          </p:cNvPicPr>
+          <p:nvPr/>
+        </p:nvPicPr>
+        <p:blipFill rotWithShape="1">
+          <a:blip r:embed="rId2">
+            <a:extLst>
+              <a:ext uri="{28A0092B-C50C-407E-A947-70E740481C1C}">
+                <a14:useLocalDpi xmlns:a14="http://schemas.microsoft.com/office/drawing/2010/main" val="0"/>
+              </a:ext>
+            </a:extLst>
+          </a:blip>
+          <a:srcRect t="11397"/>
+          <a:stretch/>
+        </p:blipFill>
+        <p:spPr bwMode="auto">
+          <a:xfrm>
+            <a:off x="160146" y="2042160"/>
+            <a:ext cx="8907654" cy="4206240"/>
+          </a:xfrm>
+          <a:prstGeom prst="rect">
+            <a:avLst/>
+          </a:prstGeom>
+          <a:noFill/>
+          <a:ln>
+            <a:noFill/>
+          </a:ln>
+          <a:extLst>
+            <a:ext uri="{909E8E84-426E-40DD-AFC4-6F175D3DCCD1}">
+              <a14:hiddenFill xmlns:a14="http://schemas.microsoft.com/office/drawing/2010/main">
+                <a:solidFill>
+                  <a:schemeClr val="accent1"/>
+                </a:solidFill>
+              </a14:hiddenFill>
+            </a:ext>
+            <a:ext uri="{91240B29-F687-4F45-9708-019B960494DF}">
+              <a14:hiddenLine xmlns:a14="http://schemas.microsoft.com/office/drawing/2010/main" w="9525">
+                <a:solidFill>
+                  <a:schemeClr val="tx1"/>
+                </a:solidFill>
+                <a:miter lim="800000"/>
+                <a:headEnd/>
+                <a:tailEnd/>
+              </a14:hiddenLine>
+            </a:ext>
+          </a:extLst>
+        </p:spPr>
+      </p:pic>
+    </p:spTree>
+    <p:extLst>
+      <p:ext uri="{BB962C8B-B14F-4D97-AF65-F5344CB8AC3E}">
+        <p14:creationId xmlns:p14="http://schemas.microsoft.com/office/powerpoint/2010/main" val="3637391611"/>
+      </p:ext>
+    </p:extLst>
+  </p:cSld>
+  <p:clrMapOvr>
+    <a:masterClrMapping/>
+  </p:clrMapOvr>
+</p:sld>
+</file>
+
+<file path=ppt/slides/slide4.xml><?xml version="1.0" encoding="utf-8"?>
+<p:sld xmlns:a="http://schemas.openxmlformats.org/drawingml/2006/main" xmlns:r="http://schemas.openxmlformats.org/officeDocument/2006/relationships" xmlns:p="http://schemas.openxmlformats.org/presentationml/2006/main">
+  <p:cSld>
+    <p:spTree>
+      <p:nvGrpSpPr>
+        <p:cNvPr id="1" name=""/>
+        <p:cNvGrpSpPr/>
+        <p:nvPr/>
+      </p:nvGrpSpPr>
+      <p:grpSpPr>
+        <a:xfrm>
+          <a:off x="0" y="0"/>
+          <a:ext cx="0" cy="0"/>
+          <a:chOff x="0" y="0"/>
+          <a:chExt cx="0" cy="0"/>
+        </a:xfrm>
+      </p:grpSpPr>
+      <p:sp>
+        <p:nvSpPr>
+          <p:cNvPr id="2" name="Title 1"/>
+          <p:cNvSpPr>
+            <a:spLocks noGrp="1"/>
+          </p:cNvSpPr>
+          <p:nvPr>
+            <p:ph type="title"/>
+          </p:nvPr>
+        </p:nvSpPr>
+        <p:spPr/>
+        <p:txBody>
+          <a:bodyPr/>
+          <a:lstStyle/>
+          <a:p>
+            <a:r>
+              <a:rPr lang="en-US" dirty="0" smtClean="0"/>
+              <a:t>Purchases by Product</a:t>
+            </a:r>
+            <a:endParaRPr lang="en-US" dirty="0"/>
+          </a:p>
+        </p:txBody>
+      </p:sp>
+      <p:pic>
+        <p:nvPicPr>
+          <p:cNvPr id="3075" name="Picture 3"/>
+          <p:cNvPicPr>
+            <a:picLocks noChangeAspect="1" noChangeArrowheads="1"/>
+          </p:cNvPicPr>
+          <p:nvPr/>
+        </p:nvPicPr>
+        <p:blipFill rotWithShape="1">
+          <a:blip r:embed="rId2">
+            <a:extLst>
+              <a:ext uri="{28A0092B-C50C-407E-A947-70E740481C1C}">
+                <a14:useLocalDpi xmlns:a14="http://schemas.microsoft.com/office/drawing/2010/main" val="0"/>
+              </a:ext>
+            </a:extLst>
+          </a:blip>
+          <a:srcRect l="113" t="11485" r="-113" b="1098"/>
+          <a:stretch/>
+        </p:blipFill>
+        <p:spPr bwMode="auto">
+          <a:xfrm>
+            <a:off x="152400" y="2048256"/>
+            <a:ext cx="8832386" cy="4114800"/>
+          </a:xfrm>
+          <a:prstGeom prst="rect">
+            <a:avLst/>
+          </a:prstGeom>
+          <a:noFill/>
+          <a:ln>
+            <a:noFill/>
+          </a:ln>
+          <a:extLst>
+            <a:ext uri="{909E8E84-426E-40DD-AFC4-6F175D3DCCD1}">
+              <a14:hiddenFill xmlns:a14="http://schemas.microsoft.com/office/drawing/2010/main">
+                <a:solidFill>
+                  <a:schemeClr val="accent1"/>
+                </a:solidFill>
+              </a14:hiddenFill>
+            </a:ext>
+            <a:ext uri="{91240B29-F687-4F45-9708-019B960494DF}">
+              <a14:hiddenLine xmlns:a14="http://schemas.microsoft.com/office/drawing/2010/main" w="9525">
+                <a:solidFill>
+                  <a:schemeClr val="tx1"/>
+                </a:solidFill>
+                <a:miter lim="800000"/>
+                <a:headEnd/>
+                <a:tailEnd/>
+              </a14:hiddenLine>
+            </a:ext>
+          </a:extLst>
+        </p:spPr>
+      </p:pic>
+    </p:spTree>
+    <p:extLst>
+      <p:ext uri="{BB962C8B-B14F-4D97-AF65-F5344CB8AC3E}">
+        <p14:creationId xmlns:p14="http://schemas.microsoft.com/office/powerpoint/2010/main" val="2919922028"/>
+      </p:ext>
+    </p:extLst>
+  </p:cSld>
+  <p:clrMapOvr>
+    <a:masterClrMapping/>
+  </p:clrMapOvr>
+</p:sld>
+</file>
+
+<file path=ppt/slides/slide5.xml><?xml version="1.0" encoding="utf-8"?>
+<p:sld xmlns:a="http://schemas.openxmlformats.org/drawingml/2006/main" xmlns:r="http://schemas.openxmlformats.org/officeDocument/2006/relationships" xmlns:p="http://schemas.openxmlformats.org/presentationml/2006/main">
+  <p:cSld>
+    <p:spTree>
+      <p:nvGrpSpPr>
+        <p:cNvPr id="1" name=""/>
+        <p:cNvGrpSpPr/>
+        <p:nvPr/>
+      </p:nvGrpSpPr>
+      <p:grpSpPr>
+        <a:xfrm>
+          <a:off x="0" y="0"/>
+          <a:ext cx="0" cy="0"/>
+          <a:chOff x="0" y="0"/>
+          <a:chExt cx="0" cy="0"/>
+        </a:xfrm>
+      </p:grpSpPr>
+      <p:sp>
+        <p:nvSpPr>
+          <p:cNvPr id="2" name="Title 1"/>
+          <p:cNvSpPr>
+            <a:spLocks noGrp="1"/>
+          </p:cNvSpPr>
+          <p:nvPr>
+            <p:ph type="title"/>
+          </p:nvPr>
+        </p:nvSpPr>
+        <p:spPr/>
+        <p:txBody>
+          <a:bodyPr/>
+          <a:lstStyle/>
+          <a:p>
+            <a:r>
+              <a:rPr lang="en-US" dirty="0" smtClean="0"/>
+              <a:t>Purchases by Age</a:t>
+            </a:r>
+            <a:endParaRPr lang="en-US" dirty="0"/>
+          </a:p>
+        </p:txBody>
+      </p:sp>
+      <p:pic>
+        <p:nvPicPr>
+          <p:cNvPr id="2050" name="Picture 2"/>
+          <p:cNvPicPr>
+            <a:picLocks noChangeAspect="1" noChangeArrowheads="1"/>
+          </p:cNvPicPr>
+          <p:nvPr/>
+        </p:nvPicPr>
+        <p:blipFill rotWithShape="1">
+          <a:blip r:embed="rId2">
+            <a:extLst>
+              <a:ext uri="{28A0092B-C50C-407E-A947-70E740481C1C}">
+                <a14:useLocalDpi xmlns:a14="http://schemas.microsoft.com/office/drawing/2010/main" val="0"/>
+              </a:ext>
+            </a:extLst>
+          </a:blip>
+          <a:srcRect t="11868" b="5055"/>
+          <a:stretch/>
+        </p:blipFill>
+        <p:spPr bwMode="auto">
+          <a:xfrm>
+            <a:off x="193584" y="2048256"/>
+            <a:ext cx="8798016" cy="3895344"/>
+          </a:xfrm>
+          <a:prstGeom prst="rect">
+            <a:avLst/>
+          </a:prstGeom>
+          <a:noFill/>
+          <a:ln>
+            <a:noFill/>
+          </a:ln>
+          <a:extLst>
+            <a:ext uri="{909E8E84-426E-40DD-AFC4-6F175D3DCCD1}">
+              <a14:hiddenFill xmlns:a14="http://schemas.microsoft.com/office/drawing/2010/main">
+                <a:solidFill>
+                  <a:schemeClr val="accent1"/>
+                </a:solidFill>
+              </a14:hiddenFill>
+            </a:ext>
+            <a:ext uri="{91240B29-F687-4F45-9708-019B960494DF}">
+              <a14:hiddenLine xmlns:a14="http://schemas.microsoft.com/office/drawing/2010/main" w="9525">
+                <a:solidFill>
+                  <a:schemeClr val="tx1"/>
+                </a:solidFill>
+                <a:miter lim="800000"/>
+                <a:headEnd/>
+                <a:tailEnd/>
+              </a14:hiddenLine>
+            </a:ext>
+          </a:extLst>
+        </p:spPr>
+      </p:pic>
+    </p:spTree>
+    <p:extLst>
+      <p:ext uri="{BB962C8B-B14F-4D97-AF65-F5344CB8AC3E}">
+        <p14:creationId xmlns:p14="http://schemas.microsoft.com/office/powerpoint/2010/main" val="3077509168"/>
+      </p:ext>
+    </p:extLst>
+  </p:cSld>
+  <p:clrMapOvr>
+    <a:masterClrMapping/>
+  </p:clrMapOvr>
+</p:sld>
+</file>
+
+<file path=ppt/slides/slide6.xml><?xml version="1.0" encoding="utf-8"?>
+<p:sld xmlns:a="http://schemas.openxmlformats.org/drawingml/2006/main" xmlns:r="http://schemas.openxmlformats.org/officeDocument/2006/relationships" xmlns:p="http://schemas.openxmlformats.org/presentationml/2006/main">
+  <p:cSld>
+    <p:spTree>
+      <p:nvGrpSpPr>
+        <p:cNvPr id="1" name=""/>
+        <p:cNvGrpSpPr/>
+        <p:nvPr/>
+      </p:nvGrpSpPr>
+      <p:grpSpPr>
+        <a:xfrm>
+          <a:off x="0" y="0"/>
+          <a:ext cx="0" cy="0"/>
+          <a:chOff x="0" y="0"/>
+          <a:chExt cx="0" cy="0"/>
+        </a:xfrm>
+      </p:grpSpPr>
+      <p:sp>
+        <p:nvSpPr>
+          <p:cNvPr id="2" name="Title 1"/>
+          <p:cNvSpPr>
+            <a:spLocks noGrp="1"/>
+          </p:cNvSpPr>
+          <p:nvPr>
+            <p:ph type="title"/>
+          </p:nvPr>
+        </p:nvSpPr>
+        <p:spPr/>
+        <p:txBody>
+          <a:bodyPr/>
+          <a:lstStyle/>
+          <a:p>
+            <a:r>
+              <a:rPr lang="en-US" dirty="0" smtClean="0"/>
               <a:t>Purchases by Location</a:t>
             </a:r>
             <a:endParaRPr lang="en-US" dirty="0"/>
@@ -5859,7 +6177,7 @@
 </p:sld>
 </file>
 
-<file path=ppt/slides/slide4.xml><?xml version="1.0" encoding="utf-8"?>
+<file path=ppt/slides/slide7.xml><?xml version="1.0" encoding="utf-8"?>
 <p:sld xmlns:a="http://schemas.openxmlformats.org/drawingml/2006/main" xmlns:r="http://schemas.openxmlformats.org/officeDocument/2006/relationships" xmlns:p="http://schemas.openxmlformats.org/presentationml/2006/main">
   <p:cSld>
     <p:spTree>
@@ -5931,7 +6249,7 @@
 </p:sld>
 </file>
 
-<file path=ppt/slides/slide5.xml><?xml version="1.0" encoding="utf-8"?>
+<file path=ppt/slides/slide8.xml><?xml version="1.0" encoding="utf-8"?>
 <p:sld xmlns:a="http://schemas.openxmlformats.org/drawingml/2006/main" xmlns:r="http://schemas.openxmlformats.org/officeDocument/2006/relationships" xmlns:p="http://schemas.openxmlformats.org/presentationml/2006/main">
   <p:cSld>
     <p:spTree>
@@ -6049,7 +6367,7 @@
 </p:sld>
 </file>
 
-<file path=ppt/slides/slide6.xml><?xml version="1.0" encoding="utf-8"?>
+<file path=ppt/slides/slide9.xml><?xml version="1.0" encoding="utf-8"?>
 <p:sld xmlns:a="http://schemas.openxmlformats.org/drawingml/2006/main" xmlns:r="http://schemas.openxmlformats.org/officeDocument/2006/relationships" xmlns:p="http://schemas.openxmlformats.org/presentationml/2006/main">
   <p:cSld>
     <p:spTree>

--- a/Advertising Positioning.pptx
+++ b/Advertising Positioning.pptx
@@ -7,13 +7,21 @@
   <p:sldIdLst>
     <p:sldId id="256" r:id="rId2"/>
     <p:sldId id="257" r:id="rId3"/>
-    <p:sldId id="264" r:id="rId4"/>
-    <p:sldId id="263" r:id="rId5"/>
-    <p:sldId id="262" r:id="rId6"/>
-    <p:sldId id="261" r:id="rId7"/>
-    <p:sldId id="258" r:id="rId8"/>
-    <p:sldId id="260" r:id="rId9"/>
-    <p:sldId id="259" r:id="rId10"/>
+    <p:sldId id="266" r:id="rId4"/>
+    <p:sldId id="271" r:id="rId5"/>
+    <p:sldId id="264" r:id="rId6"/>
+    <p:sldId id="263" r:id="rId7"/>
+    <p:sldId id="267" r:id="rId8"/>
+    <p:sldId id="262" r:id="rId9"/>
+    <p:sldId id="261" r:id="rId10"/>
+    <p:sldId id="265" r:id="rId11"/>
+    <p:sldId id="268" r:id="rId12"/>
+    <p:sldId id="269" r:id="rId13"/>
+    <p:sldId id="272" r:id="rId14"/>
+    <p:sldId id="270" r:id="rId15"/>
+    <p:sldId id="258" r:id="rId16"/>
+    <p:sldId id="260" r:id="rId17"/>
+    <p:sldId id="259" r:id="rId18"/>
   </p:sldIdLst>
   <p:sldSz cx="9144000" cy="6858000" type="screen4x3"/>
   <p:notesSz cx="6858000" cy="9144000"/>
@@ -5682,6 +5690,1550 @@
   <p:clrMapOvr>
     <a:masterClrMapping/>
   </p:clrMapOvr>
+  <p:timing>
+    <p:tnLst>
+      <p:par>
+        <p:cTn id="1" dur="indefinite" restart="never" nodeType="tmRoot"/>
+      </p:par>
+    </p:tnLst>
+  </p:timing>
+</p:sld>
+</file>
+
+<file path=ppt/slides/slide10.xml><?xml version="1.0" encoding="utf-8"?>
+<p:sld xmlns:a="http://schemas.openxmlformats.org/drawingml/2006/main" xmlns:r="http://schemas.openxmlformats.org/officeDocument/2006/relationships" xmlns:p="http://schemas.openxmlformats.org/presentationml/2006/main">
+  <p:cSld>
+    <p:spTree>
+      <p:nvGrpSpPr>
+        <p:cNvPr id="1" name=""/>
+        <p:cNvGrpSpPr/>
+        <p:nvPr/>
+      </p:nvGrpSpPr>
+      <p:grpSpPr>
+        <a:xfrm>
+          <a:off x="0" y="0"/>
+          <a:ext cx="0" cy="0"/>
+          <a:chOff x="0" y="0"/>
+          <a:chExt cx="0" cy="0"/>
+        </a:xfrm>
+      </p:grpSpPr>
+      <p:sp>
+        <p:nvSpPr>
+          <p:cNvPr id="2" name="Title 1"/>
+          <p:cNvSpPr>
+            <a:spLocks noGrp="1"/>
+          </p:cNvSpPr>
+          <p:nvPr>
+            <p:ph type="title"/>
+          </p:nvPr>
+        </p:nvSpPr>
+        <p:spPr/>
+        <p:txBody>
+          <a:bodyPr/>
+          <a:lstStyle/>
+          <a:p>
+            <a:r>
+              <a:rPr lang="en-US" dirty="0" smtClean="0"/>
+              <a:t>Purchases by Date</a:t>
+            </a:r>
+            <a:endParaRPr lang="en-US" dirty="0"/>
+          </a:p>
+        </p:txBody>
+      </p:sp>
+      <p:pic>
+        <p:nvPicPr>
+          <p:cNvPr id="5122" name="Picture 2"/>
+          <p:cNvPicPr>
+            <a:picLocks noChangeAspect="1" noChangeArrowheads="1"/>
+          </p:cNvPicPr>
+          <p:nvPr/>
+        </p:nvPicPr>
+        <p:blipFill rotWithShape="1">
+          <a:blip r:embed="rId2">
+            <a:extLst>
+              <a:ext uri="{28A0092B-C50C-407E-A947-70E740481C1C}">
+                <a14:useLocalDpi xmlns:a14="http://schemas.microsoft.com/office/drawing/2010/main" val="0"/>
+              </a:ext>
+            </a:extLst>
+          </a:blip>
+          <a:srcRect t="11867" b="4835"/>
+          <a:stretch/>
+        </p:blipFill>
+        <p:spPr bwMode="auto">
+          <a:xfrm>
+            <a:off x="152400" y="2133600"/>
+            <a:ext cx="8774802" cy="3895344"/>
+          </a:xfrm>
+          <a:prstGeom prst="rect">
+            <a:avLst/>
+          </a:prstGeom>
+          <a:noFill/>
+          <a:ln>
+            <a:noFill/>
+          </a:ln>
+          <a:extLst>
+            <a:ext uri="{909E8E84-426E-40DD-AFC4-6F175D3DCCD1}">
+              <a14:hiddenFill xmlns:a14="http://schemas.microsoft.com/office/drawing/2010/main">
+                <a:solidFill>
+                  <a:schemeClr val="accent1"/>
+                </a:solidFill>
+              </a14:hiddenFill>
+            </a:ext>
+            <a:ext uri="{91240B29-F687-4F45-9708-019B960494DF}">
+              <a14:hiddenLine xmlns:a14="http://schemas.microsoft.com/office/drawing/2010/main" w="9525">
+                <a:solidFill>
+                  <a:schemeClr val="tx1"/>
+                </a:solidFill>
+                <a:miter lim="800000"/>
+                <a:headEnd/>
+                <a:tailEnd/>
+              </a14:hiddenLine>
+            </a:ext>
+          </a:extLst>
+        </p:spPr>
+      </p:pic>
+      <p:sp>
+        <p:nvSpPr>
+          <p:cNvPr id="5" name="TextBox 4"/>
+          <p:cNvSpPr txBox="1"/>
+          <p:nvPr/>
+        </p:nvSpPr>
+        <p:spPr>
+          <a:xfrm>
+            <a:off x="6172200" y="1371600"/>
+            <a:ext cx="2590800" cy="1754326"/>
+          </a:xfrm>
+          <a:prstGeom prst="rect">
+            <a:avLst/>
+          </a:prstGeom>
+          <a:noFill/>
+        </p:spPr>
+        <p:txBody>
+          <a:bodyPr wrap="square" rtlCol="0">
+            <a:spAutoFit/>
+          </a:bodyPr>
+          <a:lstStyle/>
+          <a:p>
+            <a:pPr marL="285750" indent="-285750">
+              <a:buFont typeface="Arial" pitchFamily="34" charset="0"/>
+              <a:buChar char="•"/>
+            </a:pPr>
+            <a:r>
+              <a:rPr lang="en-US" dirty="0" smtClean="0"/>
+              <a:t>Calculate the total items bought on each date</a:t>
+            </a:r>
+          </a:p>
+          <a:p>
+            <a:pPr marL="285750" indent="-285750">
+              <a:buFont typeface="Arial" pitchFamily="34" charset="0"/>
+              <a:buChar char="•"/>
+            </a:pPr>
+            <a:r>
+              <a:rPr lang="en-US" dirty="0" err="1" smtClean="0"/>
+              <a:t>Xlabel</a:t>
+            </a:r>
+            <a:r>
+              <a:rPr lang="en-US" dirty="0" smtClean="0"/>
+              <a:t>: date</a:t>
+            </a:r>
+          </a:p>
+          <a:p>
+            <a:pPr marL="285750" indent="-285750">
+              <a:buFont typeface="Arial" pitchFamily="34" charset="0"/>
+              <a:buChar char="•"/>
+            </a:pPr>
+            <a:r>
+              <a:rPr lang="en-US" dirty="0" err="1" smtClean="0"/>
+              <a:t>Ylabel</a:t>
+            </a:r>
+            <a:r>
+              <a:rPr lang="en-US" dirty="0" smtClean="0"/>
+              <a:t>: number of items</a:t>
+            </a:r>
+            <a:endParaRPr lang="en-US" dirty="0"/>
+          </a:p>
+        </p:txBody>
+      </p:sp>
+    </p:spTree>
+    <p:extLst>
+      <p:ext uri="{BB962C8B-B14F-4D97-AF65-F5344CB8AC3E}">
+        <p14:creationId xmlns:p14="http://schemas.microsoft.com/office/powerpoint/2010/main" val="2685833145"/>
+      </p:ext>
+    </p:extLst>
+  </p:cSld>
+  <p:clrMapOvr>
+    <a:masterClrMapping/>
+  </p:clrMapOvr>
+  <p:timing>
+    <p:tnLst>
+      <p:par>
+        <p:cTn id="1" dur="indefinite" restart="never" nodeType="tmRoot">
+          <p:childTnLst>
+            <p:seq concurrent="1" nextAc="seek">
+              <p:cTn id="2" dur="indefinite" nodeType="mainSeq">
+                <p:childTnLst>
+                  <p:par>
+                    <p:cTn id="3" fill="hold">
+                      <p:stCondLst>
+                        <p:cond delay="indefinite"/>
+                      </p:stCondLst>
+                      <p:childTnLst>
+                        <p:par>
+                          <p:cTn id="4" fill="hold">
+                            <p:stCondLst>
+                              <p:cond delay="0"/>
+                            </p:stCondLst>
+                            <p:childTnLst>
+                              <p:par>
+                                <p:cTn id="5" presetID="42" presetClass="entr" presetSubtype="0" fill="hold" grpId="0" nodeType="clickEffect">
+                                  <p:stCondLst>
+                                    <p:cond delay="0"/>
+                                  </p:stCondLst>
+                                  <p:childTnLst>
+                                    <p:set>
+                                      <p:cBhvr>
+                                        <p:cTn id="6" dur="1" fill="hold">
+                                          <p:stCondLst>
+                                            <p:cond delay="0"/>
+                                          </p:stCondLst>
+                                        </p:cTn>
+                                        <p:tgtEl>
+                                          <p:spTgt spid="5"/>
+                                        </p:tgtEl>
+                                        <p:attrNameLst>
+                                          <p:attrName>style.visibility</p:attrName>
+                                        </p:attrNameLst>
+                                      </p:cBhvr>
+                                      <p:to>
+                                        <p:strVal val="visible"/>
+                                      </p:to>
+                                    </p:set>
+                                    <p:animEffect transition="in" filter="fade">
+                                      <p:cBhvr>
+                                        <p:cTn id="7" dur="1000"/>
+                                        <p:tgtEl>
+                                          <p:spTgt spid="5"/>
+                                        </p:tgtEl>
+                                      </p:cBhvr>
+                                    </p:animEffect>
+                                    <p:anim calcmode="lin" valueType="num">
+                                      <p:cBhvr>
+                                        <p:cTn id="8" dur="1000" fill="hold"/>
+                                        <p:tgtEl>
+                                          <p:spTgt spid="5"/>
+                                        </p:tgtEl>
+                                        <p:attrNameLst>
+                                          <p:attrName>ppt_x</p:attrName>
+                                        </p:attrNameLst>
+                                      </p:cBhvr>
+                                      <p:tavLst>
+                                        <p:tav tm="0">
+                                          <p:val>
+                                            <p:strVal val="#ppt_x"/>
+                                          </p:val>
+                                        </p:tav>
+                                        <p:tav tm="100000">
+                                          <p:val>
+                                            <p:strVal val="#ppt_x"/>
+                                          </p:val>
+                                        </p:tav>
+                                      </p:tavLst>
+                                    </p:anim>
+                                    <p:anim calcmode="lin" valueType="num">
+                                      <p:cBhvr>
+                                        <p:cTn id="9" dur="1000" fill="hold"/>
+                                        <p:tgtEl>
+                                          <p:spTgt spid="5"/>
+                                        </p:tgtEl>
+                                        <p:attrNameLst>
+                                          <p:attrName>ppt_y</p:attrName>
+                                        </p:attrNameLst>
+                                      </p:cBhvr>
+                                      <p:tavLst>
+                                        <p:tav tm="0">
+                                          <p:val>
+                                            <p:strVal val="#ppt_y+.1"/>
+                                          </p:val>
+                                        </p:tav>
+                                        <p:tav tm="100000">
+                                          <p:val>
+                                            <p:strVal val="#ppt_y"/>
+                                          </p:val>
+                                        </p:tav>
+                                      </p:tavLst>
+                                    </p:anim>
+                                  </p:childTnLst>
+                                </p:cTn>
+                              </p:par>
+                            </p:childTnLst>
+                          </p:cTn>
+                        </p:par>
+                      </p:childTnLst>
+                    </p:cTn>
+                  </p:par>
+                </p:childTnLst>
+              </p:cTn>
+              <p:prevCondLst>
+                <p:cond evt="onPrev" delay="0">
+                  <p:tgtEl>
+                    <p:sldTgt/>
+                  </p:tgtEl>
+                </p:cond>
+              </p:prevCondLst>
+              <p:nextCondLst>
+                <p:cond evt="onNext" delay="0">
+                  <p:tgtEl>
+                    <p:sldTgt/>
+                  </p:tgtEl>
+                </p:cond>
+              </p:nextCondLst>
+            </p:seq>
+          </p:childTnLst>
+        </p:cTn>
+      </p:par>
+    </p:tnLst>
+    <p:bldLst>
+      <p:bldP spid="5" grpId="0"/>
+    </p:bldLst>
+  </p:timing>
+</p:sld>
+</file>
+
+<file path=ppt/slides/slide11.xml><?xml version="1.0" encoding="utf-8"?>
+<p:sld xmlns:a="http://schemas.openxmlformats.org/drawingml/2006/main" xmlns:r="http://schemas.openxmlformats.org/officeDocument/2006/relationships" xmlns:p="http://schemas.openxmlformats.org/presentationml/2006/main">
+  <p:cSld>
+    <p:spTree>
+      <p:nvGrpSpPr>
+        <p:cNvPr id="1" name=""/>
+        <p:cNvGrpSpPr/>
+        <p:nvPr/>
+      </p:nvGrpSpPr>
+      <p:grpSpPr>
+        <a:xfrm>
+          <a:off x="0" y="0"/>
+          <a:ext cx="0" cy="0"/>
+          <a:chOff x="0" y="0"/>
+          <a:chExt cx="0" cy="0"/>
+        </a:xfrm>
+      </p:grpSpPr>
+      <p:sp>
+        <p:nvSpPr>
+          <p:cNvPr id="2" name="Title 1"/>
+          <p:cNvSpPr>
+            <a:spLocks noGrp="1"/>
+          </p:cNvSpPr>
+          <p:nvPr>
+            <p:ph type="title"/>
+          </p:nvPr>
+        </p:nvSpPr>
+        <p:spPr/>
+        <p:txBody>
+          <a:bodyPr/>
+          <a:lstStyle/>
+          <a:p>
+            <a:r>
+              <a:rPr lang="en-US" dirty="0" smtClean="0"/>
+              <a:t>Finding Trends in Data	</a:t>
+            </a:r>
+            <a:endParaRPr lang="en-US" dirty="0"/>
+          </a:p>
+        </p:txBody>
+      </p:sp>
+      <p:sp>
+        <p:nvSpPr>
+          <p:cNvPr id="3" name="Content Placeholder 2"/>
+          <p:cNvSpPr>
+            <a:spLocks noGrp="1"/>
+          </p:cNvSpPr>
+          <p:nvPr>
+            <p:ph idx="1"/>
+          </p:nvPr>
+        </p:nvSpPr>
+        <p:spPr/>
+        <p:txBody>
+          <a:bodyPr/>
+          <a:lstStyle/>
+          <a:p>
+            <a:r>
+              <a:rPr lang="en-US" dirty="0" smtClean="0"/>
+              <a:t>What may cause the low sales in the graph?</a:t>
+            </a:r>
+          </a:p>
+          <a:p>
+            <a:r>
+              <a:rPr lang="en-US" dirty="0" smtClean="0"/>
+              <a:t>Do the sales seem to be cyclic?</a:t>
+            </a:r>
+          </a:p>
+          <a:p>
+            <a:r>
+              <a:rPr lang="en-US" dirty="0" smtClean="0"/>
+              <a:t>Does the location graph make sense?</a:t>
+            </a:r>
+          </a:p>
+          <a:p>
+            <a:r>
+              <a:rPr lang="en-US" dirty="0" smtClean="0"/>
+              <a:t>How about the age graph?</a:t>
+            </a:r>
+            <a:endParaRPr lang="en-US" dirty="0"/>
+          </a:p>
+        </p:txBody>
+      </p:sp>
+    </p:spTree>
+    <p:extLst>
+      <p:ext uri="{BB962C8B-B14F-4D97-AF65-F5344CB8AC3E}">
+        <p14:creationId xmlns:p14="http://schemas.microsoft.com/office/powerpoint/2010/main" val="830966707"/>
+      </p:ext>
+    </p:extLst>
+  </p:cSld>
+  <p:clrMapOvr>
+    <a:masterClrMapping/>
+  </p:clrMapOvr>
+  <p:timing>
+    <p:tnLst>
+      <p:par>
+        <p:cTn id="1" dur="indefinite" restart="never" nodeType="tmRoot"/>
+      </p:par>
+    </p:tnLst>
+  </p:timing>
+</p:sld>
+</file>
+
+<file path=ppt/slides/slide12.xml><?xml version="1.0" encoding="utf-8"?>
+<p:sld xmlns:a="http://schemas.openxmlformats.org/drawingml/2006/main" xmlns:r="http://schemas.openxmlformats.org/officeDocument/2006/relationships" xmlns:p="http://schemas.openxmlformats.org/presentationml/2006/main">
+  <p:cSld>
+    <p:spTree>
+      <p:nvGrpSpPr>
+        <p:cNvPr id="1" name=""/>
+        <p:cNvGrpSpPr/>
+        <p:nvPr/>
+      </p:nvGrpSpPr>
+      <p:grpSpPr>
+        <a:xfrm>
+          <a:off x="0" y="0"/>
+          <a:ext cx="0" cy="0"/>
+          <a:chOff x="0" y="0"/>
+          <a:chExt cx="0" cy="0"/>
+        </a:xfrm>
+      </p:grpSpPr>
+      <p:sp>
+        <p:nvSpPr>
+          <p:cNvPr id="2" name="Title 1"/>
+          <p:cNvSpPr>
+            <a:spLocks noGrp="1"/>
+          </p:cNvSpPr>
+          <p:nvPr>
+            <p:ph type="title"/>
+          </p:nvPr>
+        </p:nvSpPr>
+        <p:spPr/>
+        <p:txBody>
+          <a:bodyPr/>
+          <a:lstStyle/>
+          <a:p>
+            <a:r>
+              <a:rPr lang="en-US" dirty="0" smtClean="0"/>
+              <a:t>Purchases by Week</a:t>
+            </a:r>
+            <a:endParaRPr lang="en-US" dirty="0"/>
+          </a:p>
+        </p:txBody>
+      </p:sp>
+      <p:pic>
+        <p:nvPicPr>
+          <p:cNvPr id="6146" name="Picture 2"/>
+          <p:cNvPicPr>
+            <a:picLocks noChangeAspect="1" noChangeArrowheads="1"/>
+          </p:cNvPicPr>
+          <p:nvPr/>
+        </p:nvPicPr>
+        <p:blipFill rotWithShape="1">
+          <a:blip r:embed="rId2">
+            <a:extLst>
+              <a:ext uri="{28A0092B-C50C-407E-A947-70E740481C1C}">
+                <a14:useLocalDpi xmlns:a14="http://schemas.microsoft.com/office/drawing/2010/main" val="0"/>
+              </a:ext>
+            </a:extLst>
+          </a:blip>
+          <a:srcRect t="11868"/>
+          <a:stretch/>
+        </p:blipFill>
+        <p:spPr bwMode="auto">
+          <a:xfrm>
+            <a:off x="152400" y="2209800"/>
+            <a:ext cx="8760625" cy="4114800"/>
+          </a:xfrm>
+          <a:prstGeom prst="rect">
+            <a:avLst/>
+          </a:prstGeom>
+          <a:noFill/>
+          <a:ln>
+            <a:noFill/>
+          </a:ln>
+          <a:extLst>
+            <a:ext uri="{909E8E84-426E-40DD-AFC4-6F175D3DCCD1}">
+              <a14:hiddenFill xmlns:a14="http://schemas.microsoft.com/office/drawing/2010/main">
+                <a:solidFill>
+                  <a:schemeClr val="accent1"/>
+                </a:solidFill>
+              </a14:hiddenFill>
+            </a:ext>
+            <a:ext uri="{91240B29-F687-4F45-9708-019B960494DF}">
+              <a14:hiddenLine xmlns:a14="http://schemas.microsoft.com/office/drawing/2010/main" w="9525">
+                <a:solidFill>
+                  <a:schemeClr val="tx1"/>
+                </a:solidFill>
+                <a:miter lim="800000"/>
+                <a:headEnd/>
+                <a:tailEnd/>
+              </a14:hiddenLine>
+            </a:ext>
+          </a:extLst>
+        </p:spPr>
+      </p:pic>
+      <p:sp>
+        <p:nvSpPr>
+          <p:cNvPr id="5" name="TextBox 4"/>
+          <p:cNvSpPr txBox="1"/>
+          <p:nvPr/>
+        </p:nvSpPr>
+        <p:spPr>
+          <a:xfrm>
+            <a:off x="6172200" y="1371600"/>
+            <a:ext cx="2590800" cy="1754326"/>
+          </a:xfrm>
+          <a:prstGeom prst="rect">
+            <a:avLst/>
+          </a:prstGeom>
+          <a:noFill/>
+        </p:spPr>
+        <p:txBody>
+          <a:bodyPr wrap="square" rtlCol="0">
+            <a:spAutoFit/>
+          </a:bodyPr>
+          <a:lstStyle/>
+          <a:p>
+            <a:pPr marL="285750" indent="-285750">
+              <a:buFont typeface="Arial" pitchFamily="34" charset="0"/>
+              <a:buChar char="•"/>
+            </a:pPr>
+            <a:r>
+              <a:rPr lang="en-US" dirty="0" smtClean="0"/>
+              <a:t>Calculate the total items bought during each week</a:t>
+            </a:r>
+          </a:p>
+          <a:p>
+            <a:pPr marL="285750" indent="-285750">
+              <a:buFont typeface="Arial" pitchFamily="34" charset="0"/>
+              <a:buChar char="•"/>
+            </a:pPr>
+            <a:r>
+              <a:rPr lang="en-US" dirty="0" err="1" smtClean="0"/>
+              <a:t>Xlabel</a:t>
+            </a:r>
+            <a:r>
+              <a:rPr lang="en-US" dirty="0" smtClean="0"/>
+              <a:t>: week</a:t>
+            </a:r>
+          </a:p>
+          <a:p>
+            <a:pPr marL="285750" indent="-285750">
+              <a:buFont typeface="Arial" pitchFamily="34" charset="0"/>
+              <a:buChar char="•"/>
+            </a:pPr>
+            <a:r>
+              <a:rPr lang="en-US" dirty="0" err="1" smtClean="0"/>
+              <a:t>Ylabel</a:t>
+            </a:r>
+            <a:r>
+              <a:rPr lang="en-US" dirty="0" smtClean="0"/>
+              <a:t>: number of items</a:t>
+            </a:r>
+            <a:endParaRPr lang="en-US" dirty="0"/>
+          </a:p>
+        </p:txBody>
+      </p:sp>
+    </p:spTree>
+    <p:extLst>
+      <p:ext uri="{BB962C8B-B14F-4D97-AF65-F5344CB8AC3E}">
+        <p14:creationId xmlns:p14="http://schemas.microsoft.com/office/powerpoint/2010/main" val="1141828460"/>
+      </p:ext>
+    </p:extLst>
+  </p:cSld>
+  <p:clrMapOvr>
+    <a:masterClrMapping/>
+  </p:clrMapOvr>
+  <p:timing>
+    <p:tnLst>
+      <p:par>
+        <p:cTn id="1" dur="indefinite" restart="never" nodeType="tmRoot">
+          <p:childTnLst>
+            <p:seq concurrent="1" nextAc="seek">
+              <p:cTn id="2" dur="indefinite" nodeType="mainSeq">
+                <p:childTnLst>
+                  <p:par>
+                    <p:cTn id="3" fill="hold">
+                      <p:stCondLst>
+                        <p:cond delay="indefinite"/>
+                      </p:stCondLst>
+                      <p:childTnLst>
+                        <p:par>
+                          <p:cTn id="4" fill="hold">
+                            <p:stCondLst>
+                              <p:cond delay="0"/>
+                            </p:stCondLst>
+                            <p:childTnLst>
+                              <p:par>
+                                <p:cTn id="5" presetID="42" presetClass="entr" presetSubtype="0" fill="hold" grpId="0" nodeType="clickEffect">
+                                  <p:stCondLst>
+                                    <p:cond delay="0"/>
+                                  </p:stCondLst>
+                                  <p:childTnLst>
+                                    <p:set>
+                                      <p:cBhvr>
+                                        <p:cTn id="6" dur="1" fill="hold">
+                                          <p:stCondLst>
+                                            <p:cond delay="0"/>
+                                          </p:stCondLst>
+                                        </p:cTn>
+                                        <p:tgtEl>
+                                          <p:spTgt spid="5"/>
+                                        </p:tgtEl>
+                                        <p:attrNameLst>
+                                          <p:attrName>style.visibility</p:attrName>
+                                        </p:attrNameLst>
+                                      </p:cBhvr>
+                                      <p:to>
+                                        <p:strVal val="visible"/>
+                                      </p:to>
+                                    </p:set>
+                                    <p:animEffect transition="in" filter="fade">
+                                      <p:cBhvr>
+                                        <p:cTn id="7" dur="1000"/>
+                                        <p:tgtEl>
+                                          <p:spTgt spid="5"/>
+                                        </p:tgtEl>
+                                      </p:cBhvr>
+                                    </p:animEffect>
+                                    <p:anim calcmode="lin" valueType="num">
+                                      <p:cBhvr>
+                                        <p:cTn id="8" dur="1000" fill="hold"/>
+                                        <p:tgtEl>
+                                          <p:spTgt spid="5"/>
+                                        </p:tgtEl>
+                                        <p:attrNameLst>
+                                          <p:attrName>ppt_x</p:attrName>
+                                        </p:attrNameLst>
+                                      </p:cBhvr>
+                                      <p:tavLst>
+                                        <p:tav tm="0">
+                                          <p:val>
+                                            <p:strVal val="#ppt_x"/>
+                                          </p:val>
+                                        </p:tav>
+                                        <p:tav tm="100000">
+                                          <p:val>
+                                            <p:strVal val="#ppt_x"/>
+                                          </p:val>
+                                        </p:tav>
+                                      </p:tavLst>
+                                    </p:anim>
+                                    <p:anim calcmode="lin" valueType="num">
+                                      <p:cBhvr>
+                                        <p:cTn id="9" dur="1000" fill="hold"/>
+                                        <p:tgtEl>
+                                          <p:spTgt spid="5"/>
+                                        </p:tgtEl>
+                                        <p:attrNameLst>
+                                          <p:attrName>ppt_y</p:attrName>
+                                        </p:attrNameLst>
+                                      </p:cBhvr>
+                                      <p:tavLst>
+                                        <p:tav tm="0">
+                                          <p:val>
+                                            <p:strVal val="#ppt_y+.1"/>
+                                          </p:val>
+                                        </p:tav>
+                                        <p:tav tm="100000">
+                                          <p:val>
+                                            <p:strVal val="#ppt_y"/>
+                                          </p:val>
+                                        </p:tav>
+                                      </p:tavLst>
+                                    </p:anim>
+                                  </p:childTnLst>
+                                </p:cTn>
+                              </p:par>
+                            </p:childTnLst>
+                          </p:cTn>
+                        </p:par>
+                      </p:childTnLst>
+                    </p:cTn>
+                  </p:par>
+                </p:childTnLst>
+              </p:cTn>
+              <p:prevCondLst>
+                <p:cond evt="onPrev" delay="0">
+                  <p:tgtEl>
+                    <p:sldTgt/>
+                  </p:tgtEl>
+                </p:cond>
+              </p:prevCondLst>
+              <p:nextCondLst>
+                <p:cond evt="onNext" delay="0">
+                  <p:tgtEl>
+                    <p:sldTgt/>
+                  </p:tgtEl>
+                </p:cond>
+              </p:nextCondLst>
+            </p:seq>
+          </p:childTnLst>
+        </p:cTn>
+      </p:par>
+    </p:tnLst>
+    <p:bldLst>
+      <p:bldP spid="5" grpId="0"/>
+    </p:bldLst>
+  </p:timing>
+</p:sld>
+</file>
+
+<file path=ppt/slides/slide13.xml><?xml version="1.0" encoding="utf-8"?>
+<p:sld xmlns:a="http://schemas.openxmlformats.org/drawingml/2006/main" xmlns:r="http://schemas.openxmlformats.org/officeDocument/2006/relationships" xmlns:p="http://schemas.openxmlformats.org/presentationml/2006/main">
+  <p:cSld>
+    <p:spTree>
+      <p:nvGrpSpPr>
+        <p:cNvPr id="1" name=""/>
+        <p:cNvGrpSpPr/>
+        <p:nvPr/>
+      </p:nvGrpSpPr>
+      <p:grpSpPr>
+        <a:xfrm>
+          <a:off x="0" y="0"/>
+          <a:ext cx="0" cy="0"/>
+          <a:chOff x="0" y="0"/>
+          <a:chExt cx="0" cy="0"/>
+        </a:xfrm>
+      </p:grpSpPr>
+      <p:sp>
+        <p:nvSpPr>
+          <p:cNvPr id="2" name="Title 1"/>
+          <p:cNvSpPr>
+            <a:spLocks noGrp="1"/>
+          </p:cNvSpPr>
+          <p:nvPr>
+            <p:ph type="title"/>
+          </p:nvPr>
+        </p:nvSpPr>
+        <p:spPr/>
+        <p:txBody>
+          <a:bodyPr/>
+          <a:lstStyle/>
+          <a:p>
+            <a:r>
+              <a:rPr lang="en-US" dirty="0" smtClean="0"/>
+              <a:t>Number of Weeks</a:t>
+            </a:r>
+            <a:endParaRPr lang="en-US" dirty="0"/>
+          </a:p>
+        </p:txBody>
+      </p:sp>
+      <p:sp>
+        <p:nvSpPr>
+          <p:cNvPr id="4" name="AutoShape 2" descr="https://encrypted-tbn2.gstatic.com/images?q=tbn:ANd9GcT8tPNPyGhDTk6IJGbUc_vKEmsQy7s-fK2KZ-GZ-n5ivzZqVSb-"/>
+          <p:cNvSpPr>
+            <a:spLocks noChangeAspect="1" noChangeArrowheads="1"/>
+          </p:cNvSpPr>
+          <p:nvPr/>
+        </p:nvSpPr>
+        <p:spPr bwMode="auto">
+          <a:xfrm>
+            <a:off x="63500" y="-136525"/>
+            <a:ext cx="304800" cy="304800"/>
+          </a:xfrm>
+          <a:prstGeom prst="rect">
+            <a:avLst/>
+          </a:prstGeom>
+          <a:noFill/>
+          <a:extLst>
+            <a:ext uri="{909E8E84-426E-40DD-AFC4-6F175D3DCCD1}">
+              <a14:hiddenFill xmlns:a14="http://schemas.microsoft.com/office/drawing/2010/main">
+                <a:solidFill>
+                  <a:srgbClr val="FFFFFF"/>
+                </a:solidFill>
+              </a14:hiddenFill>
+            </a:ext>
+          </a:extLst>
+        </p:spPr>
+        <p:txBody>
+          <a:bodyPr vert="horz" wrap="square" lIns="91440" tIns="45720" rIns="91440" bIns="45720" numCol="1" anchor="t" anchorCtr="0" compatLnSpc="1">
+            <a:prstTxWarp prst="textNoShape">
+              <a:avLst/>
+            </a:prstTxWarp>
+          </a:bodyPr>
+          <a:lstStyle/>
+          <a:p>
+            <a:endParaRPr lang="en-US"/>
+          </a:p>
+        </p:txBody>
+      </p:sp>
+      <p:pic>
+        <p:nvPicPr>
+          <p:cNvPr id="7172" name="Picture 4" descr="https://encrypted-tbn2.gstatic.com/images?q=tbn:ANd9GcT8tPNPyGhDTk6IJGbUc_vKEmsQy7s-fK2KZ-GZ-n5ivzZqVSb-"/>
+          <p:cNvPicPr>
+            <a:picLocks noChangeAspect="1" noChangeArrowheads="1"/>
+          </p:cNvPicPr>
+          <p:nvPr/>
+        </p:nvPicPr>
+        <p:blipFill>
+          <a:blip r:embed="rId2">
+            <a:extLst>
+              <a:ext uri="{28A0092B-C50C-407E-A947-70E740481C1C}">
+                <a14:useLocalDpi xmlns:a14="http://schemas.microsoft.com/office/drawing/2010/main" val="0"/>
+              </a:ext>
+            </a:extLst>
+          </a:blip>
+          <a:srcRect/>
+          <a:stretch>
+            <a:fillRect/>
+          </a:stretch>
+        </p:blipFill>
+        <p:spPr bwMode="auto">
+          <a:xfrm>
+            <a:off x="457200" y="2133600"/>
+            <a:ext cx="3962400" cy="3962400"/>
+          </a:xfrm>
+          <a:prstGeom prst="rect">
+            <a:avLst/>
+          </a:prstGeom>
+          <a:noFill/>
+          <a:extLst>
+            <a:ext uri="{909E8E84-426E-40DD-AFC4-6F175D3DCCD1}">
+              <a14:hiddenFill xmlns:a14="http://schemas.microsoft.com/office/drawing/2010/main">
+                <a:solidFill>
+                  <a:srgbClr val="FFFFFF"/>
+                </a:solidFill>
+              </a14:hiddenFill>
+            </a:ext>
+          </a:extLst>
+        </p:spPr>
+      </p:pic>
+      <p:sp>
+        <p:nvSpPr>
+          <p:cNvPr id="5" name="TextBox 4"/>
+          <p:cNvSpPr txBox="1"/>
+          <p:nvPr/>
+        </p:nvSpPr>
+        <p:spPr>
+          <a:xfrm>
+            <a:off x="5257800" y="2133600"/>
+            <a:ext cx="3505200" cy="3970318"/>
+          </a:xfrm>
+          <a:prstGeom prst="rect">
+            <a:avLst/>
+          </a:prstGeom>
+          <a:noFill/>
+        </p:spPr>
+        <p:txBody>
+          <a:bodyPr wrap="square" rtlCol="0">
+            <a:spAutoFit/>
+          </a:bodyPr>
+          <a:lstStyle/>
+          <a:p>
+            <a:r>
+              <a:rPr lang="en-US" sz="2800" dirty="0" smtClean="0"/>
+              <a:t>In the picture November has 30 days so we have 5 weeks.</a:t>
+            </a:r>
+          </a:p>
+          <a:p>
+            <a:endParaRPr lang="en-US" sz="2800" dirty="0"/>
+          </a:p>
+          <a:p>
+            <a:r>
+              <a:rPr lang="en-US" sz="2800" dirty="0" smtClean="0"/>
+              <a:t>A single month may have 4-6 weeks in it.</a:t>
+            </a:r>
+          </a:p>
+          <a:p>
+            <a:endParaRPr lang="en-US" sz="2800" dirty="0"/>
+          </a:p>
+          <a:p>
+            <a:r>
+              <a:rPr lang="en-US" sz="2800" dirty="0" smtClean="0"/>
+              <a:t>In total, we have 19 weeks.</a:t>
+            </a:r>
+            <a:endParaRPr lang="en-US" sz="2800" dirty="0"/>
+          </a:p>
+        </p:txBody>
+      </p:sp>
+    </p:spTree>
+    <p:extLst>
+      <p:ext uri="{BB962C8B-B14F-4D97-AF65-F5344CB8AC3E}">
+        <p14:creationId xmlns:p14="http://schemas.microsoft.com/office/powerpoint/2010/main" val="3690821853"/>
+      </p:ext>
+    </p:extLst>
+  </p:cSld>
+  <p:clrMapOvr>
+    <a:masterClrMapping/>
+  </p:clrMapOvr>
+  <p:timing>
+    <p:tnLst>
+      <p:par>
+        <p:cTn id="1" dur="indefinite" restart="never" nodeType="tmRoot"/>
+      </p:par>
+    </p:tnLst>
+  </p:timing>
+</p:sld>
+</file>
+
+<file path=ppt/slides/slide14.xml><?xml version="1.0" encoding="utf-8"?>
+<p:sld xmlns:a="http://schemas.openxmlformats.org/drawingml/2006/main" xmlns:r="http://schemas.openxmlformats.org/officeDocument/2006/relationships" xmlns:p="http://schemas.openxmlformats.org/presentationml/2006/main">
+  <p:cSld>
+    <p:spTree>
+      <p:nvGrpSpPr>
+        <p:cNvPr id="1" name=""/>
+        <p:cNvGrpSpPr/>
+        <p:nvPr/>
+      </p:nvGrpSpPr>
+      <p:grpSpPr>
+        <a:xfrm>
+          <a:off x="0" y="0"/>
+          <a:ext cx="0" cy="0"/>
+          <a:chOff x="0" y="0"/>
+          <a:chExt cx="0" cy="0"/>
+        </a:xfrm>
+      </p:grpSpPr>
+      <p:sp>
+        <p:nvSpPr>
+          <p:cNvPr id="2" name="Title 1"/>
+          <p:cNvSpPr>
+            <a:spLocks noGrp="1"/>
+          </p:cNvSpPr>
+          <p:nvPr>
+            <p:ph type="title"/>
+          </p:nvPr>
+        </p:nvSpPr>
+        <p:spPr/>
+        <p:txBody>
+          <a:bodyPr/>
+          <a:lstStyle/>
+          <a:p>
+            <a:r>
+              <a:rPr lang="en-US" dirty="0" smtClean="0"/>
+              <a:t>Association Rules</a:t>
+            </a:r>
+            <a:endParaRPr lang="en-US" dirty="0"/>
+          </a:p>
+        </p:txBody>
+      </p:sp>
+      <p:sp>
+        <p:nvSpPr>
+          <p:cNvPr id="3" name="Content Placeholder 2"/>
+          <p:cNvSpPr>
+            <a:spLocks noGrp="1"/>
+          </p:cNvSpPr>
+          <p:nvPr>
+            <p:ph idx="1"/>
+          </p:nvPr>
+        </p:nvSpPr>
+        <p:spPr/>
+        <p:txBody>
+          <a:bodyPr>
+            <a:normAutofit lnSpcReduction="10000"/>
+          </a:bodyPr>
+          <a:lstStyle/>
+          <a:p>
+            <a:pPr marL="457200" indent="-457200">
+              <a:buFont typeface="+mj-lt"/>
+              <a:buAutoNum type="arabicPeriod"/>
+            </a:pPr>
+            <a:r>
+              <a:rPr lang="en-US" dirty="0" smtClean="0"/>
+              <a:t>  age=J </a:t>
+            </a:r>
+            <a:r>
+              <a:rPr lang="en-US" dirty="0" err="1"/>
+              <a:t>productID</a:t>
+            </a:r>
+            <a:r>
+              <a:rPr lang="en-US" dirty="0"/>
+              <a:t>=4710085120161 13 ==&gt; residence=E 13    </a:t>
+            </a:r>
+            <a:r>
+              <a:rPr lang="en-US" dirty="0" err="1"/>
+              <a:t>acc</a:t>
+            </a:r>
+            <a:r>
+              <a:rPr lang="en-US" dirty="0"/>
+              <a:t>:(0.99128)</a:t>
+            </a:r>
+          </a:p>
+          <a:p>
+            <a:pPr marL="457200" indent="-457200">
+              <a:buFont typeface="+mj-lt"/>
+              <a:buAutoNum type="arabicPeriod"/>
+            </a:pPr>
+            <a:r>
+              <a:rPr lang="en-US" dirty="0"/>
+              <a:t>  </a:t>
+            </a:r>
+            <a:r>
+              <a:rPr lang="en-US" dirty="0" smtClean="0"/>
+              <a:t>age=K </a:t>
+            </a:r>
+            <a:r>
+              <a:rPr lang="en-US" dirty="0" err="1"/>
+              <a:t>productID</a:t>
+            </a:r>
+            <a:r>
+              <a:rPr lang="en-US" dirty="0"/>
+              <a:t>=4710063312168 13 ==&gt; residence=H 13    </a:t>
+            </a:r>
+            <a:r>
+              <a:rPr lang="en-US" dirty="0" err="1"/>
+              <a:t>acc</a:t>
+            </a:r>
+            <a:r>
+              <a:rPr lang="en-US" dirty="0"/>
+              <a:t>:(0.99128)</a:t>
+            </a:r>
+          </a:p>
+          <a:p>
+            <a:pPr marL="457200" indent="-457200">
+              <a:buFont typeface="+mj-lt"/>
+              <a:buAutoNum type="arabicPeriod"/>
+            </a:pPr>
+            <a:r>
+              <a:rPr lang="en-US" dirty="0"/>
+              <a:t>  </a:t>
+            </a:r>
+            <a:r>
+              <a:rPr lang="en-US" dirty="0" smtClean="0"/>
+              <a:t>age=J </a:t>
+            </a:r>
+            <a:r>
+              <a:rPr lang="en-US" dirty="0" err="1"/>
+              <a:t>productID</a:t>
+            </a:r>
+            <a:r>
+              <a:rPr lang="en-US" dirty="0"/>
+              <a:t>=4710171021327 12 ==&gt; residence=E 12    </a:t>
+            </a:r>
+            <a:r>
+              <a:rPr lang="en-US" dirty="0" err="1"/>
+              <a:t>acc</a:t>
+            </a:r>
+            <a:r>
+              <a:rPr lang="en-US" dirty="0"/>
+              <a:t>:(0.99057)</a:t>
+            </a:r>
+          </a:p>
+          <a:p>
+            <a:pPr marL="457200" indent="-457200">
+              <a:buFont typeface="+mj-lt"/>
+              <a:buAutoNum type="arabicPeriod"/>
+            </a:pPr>
+            <a:r>
+              <a:rPr lang="en-US" dirty="0"/>
+              <a:t>  </a:t>
+            </a:r>
+            <a:r>
+              <a:rPr lang="en-US" dirty="0" smtClean="0"/>
+              <a:t>age=K </a:t>
+            </a:r>
+            <a:r>
+              <a:rPr lang="en-US" dirty="0" err="1"/>
+              <a:t>productID</a:t>
+            </a:r>
+            <a:r>
+              <a:rPr lang="en-US" dirty="0"/>
+              <a:t>=4711258001256 10 ==&gt; residence=H 10    </a:t>
+            </a:r>
+            <a:r>
+              <a:rPr lang="en-US" dirty="0" err="1"/>
+              <a:t>acc</a:t>
+            </a:r>
+            <a:r>
+              <a:rPr lang="en-US" dirty="0"/>
+              <a:t>:(0.98821)</a:t>
+            </a:r>
+          </a:p>
+          <a:p>
+            <a:pPr marL="457200" indent="-457200">
+              <a:buFont typeface="+mj-lt"/>
+              <a:buAutoNum type="arabicPeriod"/>
+            </a:pPr>
+            <a:r>
+              <a:rPr lang="en-US" dirty="0" smtClean="0"/>
+              <a:t>  age=H </a:t>
+            </a:r>
+            <a:r>
+              <a:rPr lang="en-US" dirty="0" err="1"/>
+              <a:t>productID</a:t>
+            </a:r>
+            <a:r>
+              <a:rPr lang="en-US" dirty="0"/>
+              <a:t>=4715545050293 9 ==&gt; residence=E 9    </a:t>
+            </a:r>
+            <a:r>
+              <a:rPr lang="en-US" dirty="0" err="1"/>
+              <a:t>acc</a:t>
+            </a:r>
+            <a:r>
+              <a:rPr lang="en-US" dirty="0"/>
+              <a:t>:(0.9861)</a:t>
+            </a:r>
+          </a:p>
+          <a:p>
+            <a:pPr marL="457200" indent="-457200">
+              <a:buFont typeface="+mj-lt"/>
+              <a:buAutoNum type="arabicPeriod"/>
+            </a:pPr>
+            <a:r>
+              <a:rPr lang="en-US" dirty="0"/>
+              <a:t>  </a:t>
+            </a:r>
+            <a:r>
+              <a:rPr lang="en-US" dirty="0" smtClean="0"/>
+              <a:t>age=B </a:t>
+            </a:r>
+            <a:r>
+              <a:rPr lang="en-US" dirty="0" err="1"/>
+              <a:t>productID</a:t>
+            </a:r>
+            <a:r>
+              <a:rPr lang="en-US" dirty="0"/>
+              <a:t>=4710058278059 8 ==&gt; residence=E 8    </a:t>
+            </a:r>
+            <a:r>
+              <a:rPr lang="en-US" dirty="0" err="1"/>
+              <a:t>acc</a:t>
+            </a:r>
+            <a:r>
+              <a:rPr lang="en-US" dirty="0"/>
+              <a:t>:(0.98273)</a:t>
+            </a:r>
+          </a:p>
+          <a:p>
+            <a:pPr marL="457200" indent="-457200">
+              <a:buFont typeface="+mj-lt"/>
+              <a:buAutoNum type="arabicPeriod"/>
+            </a:pPr>
+            <a:r>
+              <a:rPr lang="en-US" dirty="0"/>
+              <a:t>  </a:t>
+            </a:r>
+            <a:r>
+              <a:rPr lang="en-US" dirty="0" smtClean="0"/>
+              <a:t>age=D </a:t>
+            </a:r>
+            <a:r>
+              <a:rPr lang="en-US" dirty="0" err="1"/>
+              <a:t>productID</a:t>
+            </a:r>
+            <a:r>
+              <a:rPr lang="en-US" dirty="0"/>
+              <a:t>=4711300983370 8 ==&gt; residence=F 8    </a:t>
+            </a:r>
+            <a:r>
+              <a:rPr lang="en-US" dirty="0" err="1"/>
+              <a:t>acc</a:t>
+            </a:r>
+            <a:r>
+              <a:rPr lang="en-US" dirty="0"/>
+              <a:t>:(0.98273)</a:t>
+            </a:r>
+          </a:p>
+          <a:p>
+            <a:pPr marL="457200" indent="-457200">
+              <a:buFont typeface="+mj-lt"/>
+              <a:buAutoNum type="arabicPeriod"/>
+            </a:pPr>
+            <a:r>
+              <a:rPr lang="en-US" dirty="0"/>
+              <a:t>  </a:t>
+            </a:r>
+            <a:r>
+              <a:rPr lang="en-US" dirty="0" smtClean="0"/>
+              <a:t>age=I </a:t>
+            </a:r>
+            <a:r>
+              <a:rPr lang="en-US" dirty="0" err="1"/>
+              <a:t>productID</a:t>
+            </a:r>
+            <a:r>
+              <a:rPr lang="en-US" dirty="0"/>
+              <a:t>=4711001302104 8 ==&gt; residence=E 8    </a:t>
+            </a:r>
+            <a:r>
+              <a:rPr lang="en-US" dirty="0" err="1"/>
+              <a:t>acc</a:t>
+            </a:r>
+            <a:r>
+              <a:rPr lang="en-US" dirty="0"/>
+              <a:t>:(0.98273</a:t>
+            </a:r>
+            <a:r>
+              <a:rPr lang="en-US" dirty="0" smtClean="0"/>
+              <a:t>)</a:t>
+            </a:r>
+          </a:p>
+          <a:p>
+            <a:pPr marL="457200" indent="-457200">
+              <a:buFont typeface="+mj-lt"/>
+              <a:buAutoNum type="arabicPeriod"/>
+            </a:pPr>
+            <a:r>
+              <a:rPr lang="en-US" dirty="0"/>
+              <a:t> </a:t>
+            </a:r>
+            <a:r>
+              <a:rPr lang="en-US" dirty="0" smtClean="0"/>
+              <a:t> age=A </a:t>
+            </a:r>
+            <a:r>
+              <a:rPr lang="en-US" dirty="0" err="1"/>
+              <a:t>productID</a:t>
+            </a:r>
+            <a:r>
+              <a:rPr lang="en-US" dirty="0"/>
+              <a:t>=4711258002505 7 ==&gt; residence=E 7    </a:t>
+            </a:r>
+            <a:r>
+              <a:rPr lang="en-US" dirty="0" err="1"/>
+              <a:t>acc</a:t>
+            </a:r>
+            <a:r>
+              <a:rPr lang="en-US" dirty="0"/>
+              <a:t>:(0.97714)</a:t>
+            </a:r>
+          </a:p>
+          <a:p>
+            <a:pPr marL="457200" indent="-457200">
+              <a:buFont typeface="+mj-lt"/>
+              <a:buAutoNum type="arabicPeriod"/>
+            </a:pPr>
+            <a:r>
+              <a:rPr lang="en-US" dirty="0"/>
+              <a:t> </a:t>
+            </a:r>
+            <a:r>
+              <a:rPr lang="en-US" dirty="0" smtClean="0"/>
+              <a:t> </a:t>
+            </a:r>
+            <a:r>
+              <a:rPr lang="en-US" dirty="0"/>
+              <a:t>age=C </a:t>
+            </a:r>
+            <a:r>
+              <a:rPr lang="en-US" dirty="0" err="1"/>
+              <a:t>productID</a:t>
+            </a:r>
+            <a:r>
+              <a:rPr lang="en-US" dirty="0"/>
+              <a:t>=4710088433343 7 ==&gt; residence=E 7    </a:t>
+            </a:r>
+            <a:r>
+              <a:rPr lang="en-US" dirty="0" err="1"/>
+              <a:t>acc</a:t>
+            </a:r>
+            <a:r>
+              <a:rPr lang="en-US" dirty="0"/>
+              <a:t>:(0.97714)</a:t>
+            </a:r>
+          </a:p>
+        </p:txBody>
+      </p:sp>
+    </p:spTree>
+    <p:extLst>
+      <p:ext uri="{BB962C8B-B14F-4D97-AF65-F5344CB8AC3E}">
+        <p14:creationId xmlns:p14="http://schemas.microsoft.com/office/powerpoint/2010/main" val="3606666771"/>
+      </p:ext>
+    </p:extLst>
+  </p:cSld>
+  <p:clrMapOvr>
+    <a:masterClrMapping/>
+  </p:clrMapOvr>
+  <p:timing>
+    <p:tnLst>
+      <p:par>
+        <p:cTn id="1" dur="indefinite" restart="never" nodeType="tmRoot"/>
+      </p:par>
+    </p:tnLst>
+  </p:timing>
+</p:sld>
+</file>
+
+<file path=ppt/slides/slide15.xml><?xml version="1.0" encoding="utf-8"?>
+<p:sld xmlns:a="http://schemas.openxmlformats.org/drawingml/2006/main" xmlns:r="http://schemas.openxmlformats.org/officeDocument/2006/relationships" xmlns:p="http://schemas.openxmlformats.org/presentationml/2006/main">
+  <p:cSld>
+    <p:spTree>
+      <p:nvGrpSpPr>
+        <p:cNvPr id="1" name=""/>
+        <p:cNvGrpSpPr/>
+        <p:nvPr/>
+      </p:nvGrpSpPr>
+      <p:grpSpPr>
+        <a:xfrm>
+          <a:off x="0" y="0"/>
+          <a:ext cx="0" cy="0"/>
+          <a:chOff x="0" y="0"/>
+          <a:chExt cx="0" cy="0"/>
+        </a:xfrm>
+      </p:grpSpPr>
+      <p:sp>
+        <p:nvSpPr>
+          <p:cNvPr id="2" name="Title 1"/>
+          <p:cNvSpPr>
+            <a:spLocks noGrp="1"/>
+          </p:cNvSpPr>
+          <p:nvPr>
+            <p:ph type="title"/>
+          </p:nvPr>
+        </p:nvSpPr>
+        <p:spPr/>
+        <p:txBody>
+          <a:bodyPr/>
+          <a:lstStyle/>
+          <a:p>
+            <a:r>
+              <a:rPr lang="en-US" dirty="0" smtClean="0"/>
+              <a:t>Summary</a:t>
+            </a:r>
+            <a:endParaRPr lang="en-US" dirty="0"/>
+          </a:p>
+        </p:txBody>
+      </p:sp>
+      <p:sp>
+        <p:nvSpPr>
+          <p:cNvPr id="3" name="Content Placeholder 2"/>
+          <p:cNvSpPr>
+            <a:spLocks noGrp="1"/>
+          </p:cNvSpPr>
+          <p:nvPr>
+            <p:ph idx="1"/>
+          </p:nvPr>
+        </p:nvSpPr>
+        <p:spPr/>
+        <p:txBody>
+          <a:bodyPr/>
+          <a:lstStyle/>
+          <a:p>
+            <a:endParaRPr lang="en-US"/>
+          </a:p>
+        </p:txBody>
+      </p:sp>
+    </p:spTree>
+    <p:extLst>
+      <p:ext uri="{BB962C8B-B14F-4D97-AF65-F5344CB8AC3E}">
+        <p14:creationId xmlns:p14="http://schemas.microsoft.com/office/powerpoint/2010/main" val="2721953889"/>
+      </p:ext>
+    </p:extLst>
+  </p:cSld>
+  <p:clrMapOvr>
+    <a:masterClrMapping/>
+  </p:clrMapOvr>
+  <p:timing>
+    <p:tnLst>
+      <p:par>
+        <p:cTn id="1" dur="indefinite" restart="never" nodeType="tmRoot"/>
+      </p:par>
+    </p:tnLst>
+  </p:timing>
+</p:sld>
+</file>
+
+<file path=ppt/slides/slide16.xml><?xml version="1.0" encoding="utf-8"?>
+<p:sld xmlns:a="http://schemas.openxmlformats.org/drawingml/2006/main" xmlns:r="http://schemas.openxmlformats.org/officeDocument/2006/relationships" xmlns:p="http://schemas.openxmlformats.org/presentationml/2006/main">
+  <p:cSld>
+    <p:spTree>
+      <p:nvGrpSpPr>
+        <p:cNvPr id="1" name=""/>
+        <p:cNvGrpSpPr/>
+        <p:nvPr/>
+      </p:nvGrpSpPr>
+      <p:grpSpPr>
+        <a:xfrm>
+          <a:off x="0" y="0"/>
+          <a:ext cx="0" cy="0"/>
+          <a:chOff x="0" y="0"/>
+          <a:chExt cx="0" cy="0"/>
+        </a:xfrm>
+      </p:grpSpPr>
+      <p:sp>
+        <p:nvSpPr>
+          <p:cNvPr id="2" name="Title 1"/>
+          <p:cNvSpPr>
+            <a:spLocks noGrp="1"/>
+          </p:cNvSpPr>
+          <p:nvPr>
+            <p:ph type="title"/>
+          </p:nvPr>
+        </p:nvSpPr>
+        <p:spPr/>
+        <p:txBody>
+          <a:bodyPr/>
+          <a:lstStyle/>
+          <a:p>
+            <a:r>
+              <a:rPr lang="en-US" dirty="0" smtClean="0"/>
+              <a:t>References</a:t>
+            </a:r>
+            <a:endParaRPr lang="en-US" dirty="0"/>
+          </a:p>
+        </p:txBody>
+      </p:sp>
+      <p:sp>
+        <p:nvSpPr>
+          <p:cNvPr id="3" name="Content Placeholder 2"/>
+          <p:cNvSpPr>
+            <a:spLocks noGrp="1"/>
+          </p:cNvSpPr>
+          <p:nvPr>
+            <p:ph idx="1"/>
+          </p:nvPr>
+        </p:nvSpPr>
+        <p:spPr/>
+        <p:txBody>
+          <a:bodyPr/>
+          <a:lstStyle/>
+          <a:p>
+            <a:r>
+              <a:rPr lang="en-US" dirty="0" err="1" smtClean="0"/>
+              <a:t>TaFeng</a:t>
+            </a:r>
+            <a:r>
+              <a:rPr lang="en-US" dirty="0" smtClean="0"/>
+              <a:t> data set, </a:t>
+            </a:r>
+            <a:r>
+              <a:rPr lang="en-US" dirty="0"/>
+              <a:t>Artificial Intelligence for Investigating Anti-cancer solutions, Institute of Information Science, Academia </a:t>
+            </a:r>
+            <a:r>
+              <a:rPr lang="en-US" dirty="0" err="1"/>
+              <a:t>Sinica</a:t>
+            </a:r>
+            <a:r>
+              <a:rPr lang="en-US" dirty="0"/>
+              <a:t>, Taiwan </a:t>
+            </a:r>
+            <a:r>
+              <a:rPr lang="en-US" dirty="0" smtClean="0"/>
+              <a:t>(</a:t>
+            </a:r>
+            <a:r>
+              <a:rPr lang="en-US" u="sng" dirty="0">
+                <a:solidFill>
+                  <a:schemeClr val="tx1"/>
+                </a:solidFill>
+                <a:hlinkClick r:id="rId2"/>
+              </a:rPr>
+              <a:t>http://</a:t>
+            </a:r>
+            <a:r>
+              <a:rPr lang="en-US" u="sng" dirty="0" smtClean="0">
+                <a:solidFill>
+                  <a:schemeClr val="tx1"/>
+                </a:solidFill>
+                <a:hlinkClick r:id="rId2"/>
+              </a:rPr>
+              <a:t>aiia.iis.sinica.edu.tw/index.php?option=com_docman&amp;task=cat_view&amp;gid=34&amp;dir=DESC&amp;order=date&amp;limit=5&amp;limitstart=5</a:t>
+            </a:r>
+            <a:r>
+              <a:rPr lang="en-US" u="sng" dirty="0" smtClean="0"/>
+              <a:t>)</a:t>
+            </a:r>
+            <a:endParaRPr lang="en-US" dirty="0"/>
+          </a:p>
+        </p:txBody>
+      </p:sp>
+    </p:spTree>
+    <p:extLst>
+      <p:ext uri="{BB962C8B-B14F-4D97-AF65-F5344CB8AC3E}">
+        <p14:creationId xmlns:p14="http://schemas.microsoft.com/office/powerpoint/2010/main" val="2692674786"/>
+      </p:ext>
+    </p:extLst>
+  </p:cSld>
+  <p:clrMapOvr>
+    <a:masterClrMapping/>
+  </p:clrMapOvr>
+  <p:timing>
+    <p:tnLst>
+      <p:par>
+        <p:cTn id="1" dur="indefinite" restart="never" nodeType="tmRoot"/>
+      </p:par>
+    </p:tnLst>
+  </p:timing>
+</p:sld>
+</file>
+
+<file path=ppt/slides/slide17.xml><?xml version="1.0" encoding="utf-8"?>
+<p:sld xmlns:a="http://schemas.openxmlformats.org/drawingml/2006/main" xmlns:r="http://schemas.openxmlformats.org/officeDocument/2006/relationships" xmlns:p="http://schemas.openxmlformats.org/presentationml/2006/main">
+  <p:cSld>
+    <p:spTree>
+      <p:nvGrpSpPr>
+        <p:cNvPr id="1" name=""/>
+        <p:cNvGrpSpPr/>
+        <p:nvPr/>
+      </p:nvGrpSpPr>
+      <p:grpSpPr>
+        <a:xfrm>
+          <a:off x="0" y="0"/>
+          <a:ext cx="0" cy="0"/>
+          <a:chOff x="0" y="0"/>
+          <a:chExt cx="0" cy="0"/>
+        </a:xfrm>
+      </p:grpSpPr>
+      <p:sp>
+        <p:nvSpPr>
+          <p:cNvPr id="2" name="Title 1"/>
+          <p:cNvSpPr>
+            <a:spLocks noGrp="1"/>
+          </p:cNvSpPr>
+          <p:nvPr>
+            <p:ph type="title"/>
+          </p:nvPr>
+        </p:nvSpPr>
+        <p:spPr>
+          <a:xfrm>
+            <a:off x="457200" y="2895600"/>
+            <a:ext cx="8229600" cy="914400"/>
+          </a:xfrm>
+        </p:spPr>
+        <p:txBody>
+          <a:bodyPr>
+            <a:noAutofit/>
+          </a:bodyPr>
+          <a:lstStyle/>
+          <a:p>
+            <a:pPr algn="ctr"/>
+            <a:r>
+              <a:rPr lang="en-US" sz="6000" dirty="0" smtClean="0"/>
+              <a:t>Questions?</a:t>
+            </a:r>
+            <a:endParaRPr lang="en-US" sz="6000" dirty="0"/>
+          </a:p>
+        </p:txBody>
+      </p:sp>
+    </p:spTree>
+    <p:extLst>
+      <p:ext uri="{BB962C8B-B14F-4D97-AF65-F5344CB8AC3E}">
+        <p14:creationId xmlns:p14="http://schemas.microsoft.com/office/powerpoint/2010/main" val="1734649512"/>
+      </p:ext>
+    </p:extLst>
+  </p:cSld>
+  <p:clrMapOvr>
+    <a:masterClrMapping/>
+  </p:clrMapOvr>
+  <p:timing>
+    <p:tnLst>
+      <p:par>
+        <p:cTn id="1" dur="indefinite" restart="never" nodeType="tmRoot"/>
+      </p:par>
+    </p:tnLst>
+  </p:timing>
 </p:sld>
 </file>
 
@@ -5754,10 +7306,353 @@
   <p:clrMapOvr>
     <a:masterClrMapping/>
   </p:clrMapOvr>
+  <p:timing>
+    <p:tnLst>
+      <p:par>
+        <p:cTn id="1" dur="indefinite" restart="never" nodeType="tmRoot"/>
+      </p:par>
+    </p:tnLst>
+  </p:timing>
 </p:sld>
 </file>
 
 <file path=ppt/slides/slide3.xml><?xml version="1.0" encoding="utf-8"?>
+<p:sld xmlns:a="http://schemas.openxmlformats.org/drawingml/2006/main" xmlns:r="http://schemas.openxmlformats.org/officeDocument/2006/relationships" xmlns:p="http://schemas.openxmlformats.org/presentationml/2006/main">
+  <p:cSld>
+    <p:spTree>
+      <p:nvGrpSpPr>
+        <p:cNvPr id="1" name=""/>
+        <p:cNvGrpSpPr/>
+        <p:nvPr/>
+      </p:nvGrpSpPr>
+      <p:grpSpPr>
+        <a:xfrm>
+          <a:off x="0" y="0"/>
+          <a:ext cx="0" cy="0"/>
+          <a:chOff x="0" y="0"/>
+          <a:chExt cx="0" cy="0"/>
+        </a:xfrm>
+      </p:grpSpPr>
+      <p:sp>
+        <p:nvSpPr>
+          <p:cNvPr id="2" name="Title 1"/>
+          <p:cNvSpPr>
+            <a:spLocks noGrp="1"/>
+          </p:cNvSpPr>
+          <p:nvPr>
+            <p:ph type="title"/>
+          </p:nvPr>
+        </p:nvSpPr>
+        <p:spPr/>
+        <p:txBody>
+          <a:bodyPr/>
+          <a:lstStyle/>
+          <a:p>
+            <a:r>
+              <a:rPr lang="en-US" dirty="0" smtClean="0"/>
+              <a:t>Dataset</a:t>
+            </a:r>
+            <a:endParaRPr lang="en-US" dirty="0"/>
+          </a:p>
+        </p:txBody>
+      </p:sp>
+      <p:sp>
+        <p:nvSpPr>
+          <p:cNvPr id="3" name="Content Placeholder 2"/>
+          <p:cNvSpPr>
+            <a:spLocks noGrp="1"/>
+          </p:cNvSpPr>
+          <p:nvPr>
+            <p:ph idx="1"/>
+          </p:nvPr>
+        </p:nvSpPr>
+        <p:spPr/>
+        <p:txBody>
+          <a:bodyPr/>
+          <a:lstStyle/>
+          <a:p>
+            <a:r>
+              <a:rPr lang="en-US" dirty="0" smtClean="0"/>
+              <a:t>Experimental Transaction Data from </a:t>
+            </a:r>
+            <a:r>
+              <a:rPr lang="en-US" dirty="0" err="1" smtClean="0"/>
+              <a:t>TaFeng</a:t>
+            </a:r>
+            <a:r>
+              <a:rPr lang="en-US" dirty="0" smtClean="0"/>
+              <a:t> Warehouse</a:t>
+            </a:r>
+          </a:p>
+          <a:p>
+            <a:r>
+              <a:rPr lang="en-US" dirty="0" smtClean="0"/>
+              <a:t>817,741 transactions</a:t>
+            </a:r>
+          </a:p>
+          <a:p>
+            <a:r>
+              <a:rPr lang="en-US" dirty="0" smtClean="0"/>
+              <a:t>3 months of data</a:t>
+            </a:r>
+          </a:p>
+          <a:p>
+            <a:r>
+              <a:rPr lang="en-US" dirty="0" smtClean="0"/>
+              <a:t>Each record is a transaction and each transaction has only one associated product</a:t>
+            </a:r>
+          </a:p>
+          <a:p>
+            <a:endParaRPr lang="en-US" dirty="0"/>
+          </a:p>
+        </p:txBody>
+      </p:sp>
+    </p:spTree>
+    <p:extLst>
+      <p:ext uri="{BB962C8B-B14F-4D97-AF65-F5344CB8AC3E}">
+        <p14:creationId xmlns:p14="http://schemas.microsoft.com/office/powerpoint/2010/main" val="1952503210"/>
+      </p:ext>
+    </p:extLst>
+  </p:cSld>
+  <p:clrMapOvr>
+    <a:masterClrMapping/>
+  </p:clrMapOvr>
+  <p:timing>
+    <p:tnLst>
+      <p:par>
+        <p:cTn id="1" dur="indefinite" restart="never" nodeType="tmRoot"/>
+      </p:par>
+    </p:tnLst>
+  </p:timing>
+</p:sld>
+</file>
+
+<file path=ppt/slides/slide4.xml><?xml version="1.0" encoding="utf-8"?>
+<p:sld xmlns:a="http://schemas.openxmlformats.org/drawingml/2006/main" xmlns:r="http://schemas.openxmlformats.org/officeDocument/2006/relationships" xmlns:p="http://schemas.openxmlformats.org/presentationml/2006/main">
+  <p:cSld>
+    <p:spTree>
+      <p:nvGrpSpPr>
+        <p:cNvPr id="1" name=""/>
+        <p:cNvGrpSpPr/>
+        <p:nvPr/>
+      </p:nvGrpSpPr>
+      <p:grpSpPr>
+        <a:xfrm>
+          <a:off x="0" y="0"/>
+          <a:ext cx="0" cy="0"/>
+          <a:chOff x="0" y="0"/>
+          <a:chExt cx="0" cy="0"/>
+        </a:xfrm>
+      </p:grpSpPr>
+      <p:sp>
+        <p:nvSpPr>
+          <p:cNvPr id="2" name="Title 1"/>
+          <p:cNvSpPr>
+            <a:spLocks noGrp="1"/>
+          </p:cNvSpPr>
+          <p:nvPr>
+            <p:ph type="title"/>
+          </p:nvPr>
+        </p:nvSpPr>
+        <p:spPr/>
+        <p:txBody>
+          <a:bodyPr/>
+          <a:lstStyle/>
+          <a:p>
+            <a:r>
+              <a:rPr lang="en-US" dirty="0" smtClean="0"/>
+              <a:t>Dataset Fields</a:t>
+            </a:r>
+            <a:endParaRPr lang="en-US" dirty="0"/>
+          </a:p>
+        </p:txBody>
+      </p:sp>
+      <p:sp>
+        <p:nvSpPr>
+          <p:cNvPr id="3" name="Content Placeholder 2"/>
+          <p:cNvSpPr>
+            <a:spLocks noGrp="1"/>
+          </p:cNvSpPr>
+          <p:nvPr>
+            <p:ph idx="1"/>
+          </p:nvPr>
+        </p:nvSpPr>
+        <p:spPr/>
+        <p:txBody>
+          <a:bodyPr>
+            <a:normAutofit fontScale="92500" lnSpcReduction="20000"/>
+          </a:bodyPr>
+          <a:lstStyle/>
+          <a:p>
+            <a:r>
+              <a:rPr lang="en-US" dirty="0"/>
+              <a:t>1: Transaction date and time </a:t>
+            </a:r>
+            <a:r>
+              <a:rPr lang="en-US" dirty="0" smtClean="0"/>
+              <a:t>(</a:t>
+            </a:r>
+            <a:r>
+              <a:rPr lang="en-US" dirty="0" err="1" smtClean="0"/>
+              <a:t>yy</a:t>
+            </a:r>
+            <a:r>
+              <a:rPr lang="en-US" dirty="0" smtClean="0"/>
+              <a:t>-mm-</a:t>
+            </a:r>
+            <a:r>
+              <a:rPr lang="en-US" dirty="0" err="1" smtClean="0"/>
+              <a:t>dd,time</a:t>
+            </a:r>
+            <a:r>
+              <a:rPr lang="en-US" dirty="0" smtClean="0"/>
+              <a:t>)</a:t>
+            </a:r>
+            <a:endParaRPr lang="en-US" dirty="0"/>
+          </a:p>
+          <a:p>
+            <a:r>
+              <a:rPr lang="en-US" dirty="0"/>
+              <a:t>2: Customer </a:t>
+            </a:r>
+            <a:r>
+              <a:rPr lang="en-US" dirty="0" smtClean="0"/>
+              <a:t>ID (class)</a:t>
+            </a:r>
+            <a:endParaRPr lang="en-US" dirty="0"/>
+          </a:p>
+          <a:p>
+            <a:r>
+              <a:rPr lang="en-US" dirty="0"/>
+              <a:t>3: Age: 10 possible </a:t>
+            </a:r>
+            <a:r>
+              <a:rPr lang="en-US" dirty="0" smtClean="0"/>
+              <a:t>values</a:t>
+            </a:r>
+            <a:r>
+              <a:rPr lang="en-US" dirty="0"/>
+              <a:t>,</a:t>
+            </a:r>
+          </a:p>
+          <a:p>
+            <a:r>
+              <a:rPr lang="en-US" dirty="0"/>
+              <a:t>   A &lt;25,B 25-29,C 30-34,D 35-39,E 40-44,F 45-49,G 50-54,H 55-59,I 60-64,J &gt;65</a:t>
+            </a:r>
+          </a:p>
+          <a:p>
+            <a:r>
+              <a:rPr lang="en-US" dirty="0"/>
+              <a:t>4: Residence Area: 8 possible values, </a:t>
+            </a:r>
+          </a:p>
+          <a:p>
+            <a:r>
+              <a:rPr lang="en-US" dirty="0"/>
+              <a:t>   A-F: </a:t>
+            </a:r>
+            <a:r>
+              <a:rPr lang="en-US" dirty="0" err="1"/>
+              <a:t>zipcode</a:t>
+            </a:r>
+            <a:r>
+              <a:rPr lang="en-US" dirty="0"/>
+              <a:t> area: 105,106,110,114,115,221,G: others, H: </a:t>
+            </a:r>
+            <a:r>
+              <a:rPr lang="en-US" dirty="0" smtClean="0"/>
+              <a:t>Unknown</a:t>
+            </a:r>
+            <a:endParaRPr lang="en-US" dirty="0"/>
+          </a:p>
+          <a:p>
+            <a:r>
+              <a:rPr lang="en-US" dirty="0"/>
+              <a:t>5: Product </a:t>
+            </a:r>
+            <a:r>
+              <a:rPr lang="en-US" dirty="0" smtClean="0"/>
+              <a:t>subclass (class)</a:t>
+            </a:r>
+            <a:endParaRPr lang="en-US" dirty="0"/>
+          </a:p>
+          <a:p>
+            <a:r>
+              <a:rPr lang="en-US" dirty="0"/>
+              <a:t>6: Product </a:t>
+            </a:r>
+            <a:r>
+              <a:rPr lang="en-US" dirty="0" smtClean="0"/>
+              <a:t>ID (class)</a:t>
+            </a:r>
+            <a:endParaRPr lang="en-US" dirty="0"/>
+          </a:p>
+          <a:p>
+            <a:r>
+              <a:rPr lang="en-US" dirty="0"/>
+              <a:t>7: </a:t>
+            </a:r>
+            <a:r>
+              <a:rPr lang="en-US" dirty="0" smtClean="0"/>
+              <a:t>Amount </a:t>
+            </a:r>
+            <a:r>
+              <a:rPr lang="en-US" dirty="0"/>
+              <a:t>(numeric)</a:t>
+            </a:r>
+          </a:p>
+          <a:p>
+            <a:r>
+              <a:rPr lang="en-US" dirty="0"/>
+              <a:t>8: </a:t>
+            </a:r>
+            <a:r>
+              <a:rPr lang="en-US" dirty="0" smtClean="0"/>
+              <a:t>Asset </a:t>
+            </a:r>
+            <a:r>
+              <a:rPr lang="en-US" dirty="0"/>
+              <a:t>(numeric)</a:t>
+            </a:r>
+          </a:p>
+          <a:p>
+            <a:r>
+              <a:rPr lang="en-US" dirty="0"/>
+              <a:t>9: Sales </a:t>
+            </a:r>
+            <a:r>
+              <a:rPr lang="en-US" dirty="0" smtClean="0"/>
+              <a:t>price </a:t>
+            </a:r>
+            <a:r>
+              <a:rPr lang="en-US" dirty="0"/>
+              <a:t>(numeric)</a:t>
+            </a:r>
+          </a:p>
+        </p:txBody>
+      </p:sp>
+    </p:spTree>
+    <p:extLst>
+      <p:ext uri="{BB962C8B-B14F-4D97-AF65-F5344CB8AC3E}">
+        <p14:creationId xmlns:p14="http://schemas.microsoft.com/office/powerpoint/2010/main" val="2379069279"/>
+      </p:ext>
+    </p:extLst>
+  </p:cSld>
+  <p:clrMapOvr>
+    <a:masterClrMapping/>
+  </p:clrMapOvr>
+  <p:timing>
+    <p:tnLst>
+      <p:par>
+        <p:cTn id="1" dur="indefinite" restart="never" nodeType="tmRoot"/>
+      </p:par>
+    </p:tnLst>
+  </p:timing>
+</p:sld>
+</file>
+
+<file path=ppt/slides/slide5.xml><?xml version="1.0" encoding="utf-8"?>
 <p:sld xmlns:a="http://schemas.openxmlformats.org/drawingml/2006/main" xmlns:r="http://schemas.openxmlformats.org/officeDocument/2006/relationships" xmlns:p="http://schemas.openxmlformats.org/presentationml/2006/main">
   <p:cSld>
     <p:spTree>
@@ -5849,6 +7744,73 @@
           </a:extLst>
         </p:spPr>
       </p:pic>
+      <p:sp>
+        <p:nvSpPr>
+          <p:cNvPr id="4" name="TextBox 3"/>
+          <p:cNvSpPr txBox="1"/>
+          <p:nvPr/>
+        </p:nvSpPr>
+        <p:spPr>
+          <a:xfrm>
+            <a:off x="6172200" y="1371600"/>
+            <a:ext cx="2590800" cy="1754326"/>
+          </a:xfrm>
+          <a:prstGeom prst="rect">
+            <a:avLst/>
+          </a:prstGeom>
+          <a:noFill/>
+        </p:spPr>
+        <p:txBody>
+          <a:bodyPr wrap="square" rtlCol="0">
+            <a:spAutoFit/>
+          </a:bodyPr>
+          <a:lstStyle/>
+          <a:p>
+            <a:pPr marL="285750" indent="-285750">
+              <a:buFont typeface="Arial" pitchFamily="34" charset="0"/>
+              <a:buChar char="•"/>
+            </a:pPr>
+            <a:r>
+              <a:rPr lang="en-US" dirty="0" smtClean="0"/>
+              <a:t>Calculate the total items bought by each customer</a:t>
+            </a:r>
+          </a:p>
+          <a:p>
+            <a:pPr marL="285750" indent="-285750">
+              <a:buFont typeface="Arial" pitchFamily="34" charset="0"/>
+              <a:buChar char="•"/>
+            </a:pPr>
+            <a:r>
+              <a:rPr lang="en-US" dirty="0" err="1" smtClean="0"/>
+              <a:t>Xlabel</a:t>
+            </a:r>
+            <a:r>
+              <a:rPr lang="en-US" dirty="0" smtClean="0"/>
+              <a:t>: </a:t>
+            </a:r>
+            <a:r>
+              <a:rPr lang="en-US" dirty="0" err="1" smtClean="0"/>
+              <a:t>customer_ID</a:t>
+            </a:r>
+            <a:endParaRPr lang="en-US" dirty="0" smtClean="0"/>
+          </a:p>
+          <a:p>
+            <a:pPr marL="285750" indent="-285750">
+              <a:buFont typeface="Arial" pitchFamily="34" charset="0"/>
+              <a:buChar char="•"/>
+            </a:pPr>
+            <a:r>
+              <a:rPr lang="en-US" dirty="0" err="1" smtClean="0"/>
+              <a:t>Ylabel</a:t>
+            </a:r>
+            <a:r>
+              <a:rPr lang="en-US" dirty="0" smtClean="0"/>
+              <a:t>: number of items</a:t>
+            </a:r>
+            <a:endParaRPr lang="en-US" dirty="0"/>
+          </a:p>
+        </p:txBody>
+      </p:sp>
     </p:spTree>
     <p:extLst>
       <p:ext uri="{BB962C8B-B14F-4D97-AF65-F5344CB8AC3E}">
@@ -5859,10 +7821,142 @@
   <p:clrMapOvr>
     <a:masterClrMapping/>
   </p:clrMapOvr>
+  <p:timing>
+    <p:tnLst>
+      <p:par>
+        <p:cTn id="1" dur="indefinite" restart="never" nodeType="tmRoot">
+          <p:childTnLst>
+            <p:seq concurrent="1" nextAc="seek">
+              <p:cTn id="2" dur="indefinite" nodeType="mainSeq">
+                <p:childTnLst>
+                  <p:par>
+                    <p:cTn id="3" fill="hold">
+                      <p:stCondLst>
+                        <p:cond delay="indefinite"/>
+                      </p:stCondLst>
+                      <p:childTnLst>
+                        <p:par>
+                          <p:cTn id="4" fill="hold">
+                            <p:stCondLst>
+                              <p:cond delay="0"/>
+                            </p:stCondLst>
+                            <p:childTnLst>
+                              <p:par>
+                                <p:cTn id="5" presetID="42" presetClass="entr" presetSubtype="0" fill="hold" grpId="0" nodeType="clickEffect">
+                                  <p:stCondLst>
+                                    <p:cond delay="0"/>
+                                  </p:stCondLst>
+                                  <p:childTnLst>
+                                    <p:set>
+                                      <p:cBhvr>
+                                        <p:cTn id="6" dur="1" fill="hold">
+                                          <p:stCondLst>
+                                            <p:cond delay="0"/>
+                                          </p:stCondLst>
+                                        </p:cTn>
+                                        <p:tgtEl>
+                                          <p:spTgt spid="4"/>
+                                        </p:tgtEl>
+                                        <p:attrNameLst>
+                                          <p:attrName>style.visibility</p:attrName>
+                                        </p:attrNameLst>
+                                      </p:cBhvr>
+                                      <p:to>
+                                        <p:strVal val="visible"/>
+                                      </p:to>
+                                    </p:set>
+                                    <p:animEffect transition="in" filter="fade">
+                                      <p:cBhvr>
+                                        <p:cTn id="7" dur="1000"/>
+                                        <p:tgtEl>
+                                          <p:spTgt spid="4"/>
+                                        </p:tgtEl>
+                                      </p:cBhvr>
+                                    </p:animEffect>
+                                    <p:anim calcmode="lin" valueType="num">
+                                      <p:cBhvr>
+                                        <p:cTn id="8" dur="1000" fill="hold"/>
+                                        <p:tgtEl>
+                                          <p:spTgt spid="4"/>
+                                        </p:tgtEl>
+                                        <p:attrNameLst>
+                                          <p:attrName>ppt_x</p:attrName>
+                                        </p:attrNameLst>
+                                      </p:cBhvr>
+                                      <p:tavLst>
+                                        <p:tav tm="0">
+                                          <p:val>
+                                            <p:strVal val="#ppt_x"/>
+                                          </p:val>
+                                        </p:tav>
+                                        <p:tav tm="100000">
+                                          <p:val>
+                                            <p:strVal val="#ppt_x"/>
+                                          </p:val>
+                                        </p:tav>
+                                      </p:tavLst>
+                                    </p:anim>
+                                    <p:anim calcmode="lin" valueType="num">
+                                      <p:cBhvr>
+                                        <p:cTn id="9" dur="1000" fill="hold"/>
+                                        <p:tgtEl>
+                                          <p:spTgt spid="4"/>
+                                        </p:tgtEl>
+                                        <p:attrNameLst>
+                                          <p:attrName>ppt_y</p:attrName>
+                                        </p:attrNameLst>
+                                      </p:cBhvr>
+                                      <p:tavLst>
+                                        <p:tav tm="0">
+                                          <p:val>
+                                            <p:strVal val="#ppt_y+.1"/>
+                                          </p:val>
+                                        </p:tav>
+                                        <p:tav tm="100000">
+                                          <p:val>
+                                            <p:strVal val="#ppt_y"/>
+                                          </p:val>
+                                        </p:tav>
+                                      </p:tavLst>
+                                    </p:anim>
+                                  </p:childTnLst>
+                                </p:cTn>
+                              </p:par>
+                            </p:childTnLst>
+                          </p:cTn>
+                        </p:par>
+                      </p:childTnLst>
+                    </p:cTn>
+                  </p:par>
+                </p:childTnLst>
+              </p:cTn>
+              <p:prevCondLst>
+                <p:cond evt="onPrev" delay="0">
+                  <p:tgtEl>
+                    <p:sldTgt/>
+                  </p:tgtEl>
+                </p:cond>
+              </p:prevCondLst>
+              <p:nextCondLst>
+                <p:cond evt="onNext" delay="0">
+                  <p:tgtEl>
+                    <p:sldTgt/>
+                  </p:tgtEl>
+                </p:cond>
+              </p:nextCondLst>
+            </p:seq>
+          </p:childTnLst>
+        </p:cTn>
+      </p:par>
+    </p:tnLst>
+    <p:bldLst>
+      <p:bldP spid="4" grpId="0"/>
+    </p:bldLst>
+  </p:timing>
 </p:sld>
 </file>
 
-<file path=ppt/slides/slide4.xml><?xml version="1.0" encoding="utf-8"?>
+<file path=ppt/slides/slide6.xml><?xml version="1.0" encoding="utf-8"?>
 <p:sld xmlns:a="http://schemas.openxmlformats.org/drawingml/2006/main" xmlns:r="http://schemas.openxmlformats.org/officeDocument/2006/relationships" xmlns:p="http://schemas.openxmlformats.org/presentationml/2006/main">
   <p:cSld>
     <p:spTree>
@@ -5954,6 +8048,73 @@
           </a:extLst>
         </p:spPr>
       </p:pic>
+      <p:sp>
+        <p:nvSpPr>
+          <p:cNvPr id="6" name="TextBox 5"/>
+          <p:cNvSpPr txBox="1"/>
+          <p:nvPr/>
+        </p:nvSpPr>
+        <p:spPr>
+          <a:xfrm>
+            <a:off x="6172200" y="1371600"/>
+            <a:ext cx="2590800" cy="1754326"/>
+          </a:xfrm>
+          <a:prstGeom prst="rect">
+            <a:avLst/>
+          </a:prstGeom>
+          <a:noFill/>
+        </p:spPr>
+        <p:txBody>
+          <a:bodyPr wrap="square" rtlCol="0">
+            <a:spAutoFit/>
+          </a:bodyPr>
+          <a:lstStyle/>
+          <a:p>
+            <a:pPr marL="285750" indent="-285750">
+              <a:buFont typeface="Arial" pitchFamily="34" charset="0"/>
+              <a:buChar char="•"/>
+            </a:pPr>
+            <a:r>
+              <a:rPr lang="en-US" dirty="0" smtClean="0"/>
+              <a:t>Calculate the total items sold by each product</a:t>
+            </a:r>
+          </a:p>
+          <a:p>
+            <a:pPr marL="285750" indent="-285750">
+              <a:buFont typeface="Arial" pitchFamily="34" charset="0"/>
+              <a:buChar char="•"/>
+            </a:pPr>
+            <a:r>
+              <a:rPr lang="en-US" dirty="0" err="1" smtClean="0"/>
+              <a:t>Xlabel</a:t>
+            </a:r>
+            <a:r>
+              <a:rPr lang="en-US" dirty="0" smtClean="0"/>
+              <a:t>: </a:t>
+            </a:r>
+            <a:r>
+              <a:rPr lang="en-US" dirty="0" err="1" smtClean="0"/>
+              <a:t>product_ID</a:t>
+            </a:r>
+            <a:endParaRPr lang="en-US" dirty="0" smtClean="0"/>
+          </a:p>
+          <a:p>
+            <a:pPr marL="285750" indent="-285750">
+              <a:buFont typeface="Arial" pitchFamily="34" charset="0"/>
+              <a:buChar char="•"/>
+            </a:pPr>
+            <a:r>
+              <a:rPr lang="en-US" dirty="0" err="1" smtClean="0"/>
+              <a:t>Ylabel</a:t>
+            </a:r>
+            <a:r>
+              <a:rPr lang="en-US" dirty="0" smtClean="0"/>
+              <a:t>: number of items</a:t>
+            </a:r>
+            <a:endParaRPr lang="en-US" dirty="0"/>
+          </a:p>
+        </p:txBody>
+      </p:sp>
     </p:spTree>
     <p:extLst>
       <p:ext uri="{BB962C8B-B14F-4D97-AF65-F5344CB8AC3E}">
@@ -5964,10 +8125,285 @@
   <p:clrMapOvr>
     <a:masterClrMapping/>
   </p:clrMapOvr>
+  <p:timing>
+    <p:tnLst>
+      <p:par>
+        <p:cTn id="1" dur="indefinite" restart="never" nodeType="tmRoot">
+          <p:childTnLst>
+            <p:seq concurrent="1" nextAc="seek">
+              <p:cTn id="2" dur="indefinite" nodeType="mainSeq">
+                <p:childTnLst>
+                  <p:par>
+                    <p:cTn id="3" fill="hold">
+                      <p:stCondLst>
+                        <p:cond delay="indefinite"/>
+                      </p:stCondLst>
+                      <p:childTnLst>
+                        <p:par>
+                          <p:cTn id="4" fill="hold">
+                            <p:stCondLst>
+                              <p:cond delay="0"/>
+                            </p:stCondLst>
+                            <p:childTnLst>
+                              <p:par>
+                                <p:cTn id="5" presetID="42" presetClass="entr" presetSubtype="0" fill="hold" grpId="0" nodeType="clickEffect">
+                                  <p:stCondLst>
+                                    <p:cond delay="0"/>
+                                  </p:stCondLst>
+                                  <p:childTnLst>
+                                    <p:set>
+                                      <p:cBhvr>
+                                        <p:cTn id="6" dur="1" fill="hold">
+                                          <p:stCondLst>
+                                            <p:cond delay="0"/>
+                                          </p:stCondLst>
+                                        </p:cTn>
+                                        <p:tgtEl>
+                                          <p:spTgt spid="6"/>
+                                        </p:tgtEl>
+                                        <p:attrNameLst>
+                                          <p:attrName>style.visibility</p:attrName>
+                                        </p:attrNameLst>
+                                      </p:cBhvr>
+                                      <p:to>
+                                        <p:strVal val="visible"/>
+                                      </p:to>
+                                    </p:set>
+                                    <p:animEffect transition="in" filter="fade">
+                                      <p:cBhvr>
+                                        <p:cTn id="7" dur="1000"/>
+                                        <p:tgtEl>
+                                          <p:spTgt spid="6"/>
+                                        </p:tgtEl>
+                                      </p:cBhvr>
+                                    </p:animEffect>
+                                    <p:anim calcmode="lin" valueType="num">
+                                      <p:cBhvr>
+                                        <p:cTn id="8" dur="1000" fill="hold"/>
+                                        <p:tgtEl>
+                                          <p:spTgt spid="6"/>
+                                        </p:tgtEl>
+                                        <p:attrNameLst>
+                                          <p:attrName>ppt_x</p:attrName>
+                                        </p:attrNameLst>
+                                      </p:cBhvr>
+                                      <p:tavLst>
+                                        <p:tav tm="0">
+                                          <p:val>
+                                            <p:strVal val="#ppt_x"/>
+                                          </p:val>
+                                        </p:tav>
+                                        <p:tav tm="100000">
+                                          <p:val>
+                                            <p:strVal val="#ppt_x"/>
+                                          </p:val>
+                                        </p:tav>
+                                      </p:tavLst>
+                                    </p:anim>
+                                    <p:anim calcmode="lin" valueType="num">
+                                      <p:cBhvr>
+                                        <p:cTn id="9" dur="1000" fill="hold"/>
+                                        <p:tgtEl>
+                                          <p:spTgt spid="6"/>
+                                        </p:tgtEl>
+                                        <p:attrNameLst>
+                                          <p:attrName>ppt_y</p:attrName>
+                                        </p:attrNameLst>
+                                      </p:cBhvr>
+                                      <p:tavLst>
+                                        <p:tav tm="0">
+                                          <p:val>
+                                            <p:strVal val="#ppt_y+.1"/>
+                                          </p:val>
+                                        </p:tav>
+                                        <p:tav tm="100000">
+                                          <p:val>
+                                            <p:strVal val="#ppt_y"/>
+                                          </p:val>
+                                        </p:tav>
+                                      </p:tavLst>
+                                    </p:anim>
+                                  </p:childTnLst>
+                                </p:cTn>
+                              </p:par>
+                            </p:childTnLst>
+                          </p:cTn>
+                        </p:par>
+                      </p:childTnLst>
+                    </p:cTn>
+                  </p:par>
+                </p:childTnLst>
+              </p:cTn>
+              <p:prevCondLst>
+                <p:cond evt="onPrev" delay="0">
+                  <p:tgtEl>
+                    <p:sldTgt/>
+                  </p:tgtEl>
+                </p:cond>
+              </p:prevCondLst>
+              <p:nextCondLst>
+                <p:cond evt="onNext" delay="0">
+                  <p:tgtEl>
+                    <p:sldTgt/>
+                  </p:tgtEl>
+                </p:cond>
+              </p:nextCondLst>
+            </p:seq>
+          </p:childTnLst>
+        </p:cTn>
+      </p:par>
+    </p:tnLst>
+    <p:bldLst>
+      <p:bldP spid="6" grpId="0"/>
+    </p:bldLst>
+  </p:timing>
 </p:sld>
 </file>
 
-<file path=ppt/slides/slide5.xml><?xml version="1.0" encoding="utf-8"?>
+<file path=ppt/slides/slide7.xml><?xml version="1.0" encoding="utf-8"?>
+<p:sld xmlns:a="http://schemas.openxmlformats.org/drawingml/2006/main" xmlns:r="http://schemas.openxmlformats.org/officeDocument/2006/relationships" xmlns:p="http://schemas.openxmlformats.org/presentationml/2006/main">
+  <p:cSld>
+    <p:spTree>
+      <p:nvGrpSpPr>
+        <p:cNvPr id="1" name=""/>
+        <p:cNvGrpSpPr/>
+        <p:nvPr/>
+      </p:nvGrpSpPr>
+      <p:grpSpPr>
+        <a:xfrm>
+          <a:off x="0" y="0"/>
+          <a:ext cx="0" cy="0"/>
+          <a:chOff x="0" y="0"/>
+          <a:chExt cx="0" cy="0"/>
+        </a:xfrm>
+      </p:grpSpPr>
+      <p:sp>
+        <p:nvSpPr>
+          <p:cNvPr id="2" name="Title 1"/>
+          <p:cNvSpPr>
+            <a:spLocks noGrp="1"/>
+          </p:cNvSpPr>
+          <p:nvPr>
+            <p:ph type="title"/>
+          </p:nvPr>
+        </p:nvSpPr>
+        <p:spPr/>
+        <p:txBody>
+          <a:bodyPr/>
+          <a:lstStyle/>
+          <a:p>
+            <a:r>
+              <a:rPr lang="en-US" dirty="0" smtClean="0"/>
+              <a:t>Frequent </a:t>
+            </a:r>
+            <a:r>
+              <a:rPr lang="en-US" dirty="0" err="1" smtClean="0"/>
+              <a:t>Itemset</a:t>
+            </a:r>
+            <a:r>
+              <a:rPr lang="en-US" dirty="0" smtClean="0"/>
+              <a:t> Mining</a:t>
+            </a:r>
+            <a:endParaRPr lang="en-US" dirty="0"/>
+          </a:p>
+        </p:txBody>
+      </p:sp>
+      <p:sp>
+        <p:nvSpPr>
+          <p:cNvPr id="3" name="Content Placeholder 2"/>
+          <p:cNvSpPr>
+            <a:spLocks noGrp="1"/>
+          </p:cNvSpPr>
+          <p:nvPr>
+            <p:ph idx="1"/>
+          </p:nvPr>
+        </p:nvSpPr>
+        <p:spPr/>
+        <p:txBody>
+          <a:bodyPr/>
+          <a:lstStyle/>
+          <a:p>
+            <a:r>
+              <a:rPr lang="en-US" dirty="0" smtClean="0"/>
+              <a:t>What Support did we use? (Based on all transactions)</a:t>
+            </a:r>
+          </a:p>
+          <a:p>
+            <a:pPr lvl="1"/>
+            <a:r>
+              <a:rPr lang="en-US" dirty="0" smtClean="0"/>
+              <a:t>150 purchases per 817,741</a:t>
+            </a:r>
+          </a:p>
+          <a:p>
+            <a:pPr lvl="1"/>
+            <a:r>
+              <a:rPr lang="en-US" dirty="0" err="1" smtClean="0"/>
+              <a:t>Approx</a:t>
+            </a:r>
+            <a:r>
+              <a:rPr lang="en-US" dirty="0" smtClean="0"/>
+              <a:t> 0.02%</a:t>
+            </a:r>
+          </a:p>
+          <a:p>
+            <a:r>
+              <a:rPr lang="en-US" dirty="0" smtClean="0"/>
+              <a:t>Dataset only allows 1-item frequent </a:t>
+            </a:r>
+            <a:r>
+              <a:rPr lang="en-US" dirty="0" err="1" smtClean="0"/>
+              <a:t>itemsets</a:t>
+            </a:r>
+            <a:endParaRPr lang="en-US" dirty="0" smtClean="0"/>
+          </a:p>
+          <a:p>
+            <a:r>
+              <a:rPr lang="en-US" dirty="0" smtClean="0"/>
+              <a:t>How do we increase the amount of information we can collect?</a:t>
+            </a:r>
+          </a:p>
+          <a:p>
+            <a:pPr lvl="1"/>
+            <a:r>
+              <a:rPr lang="en-US" dirty="0" smtClean="0"/>
+              <a:t>Cluster transactions by date and treat each cluster as a single transaction</a:t>
+            </a:r>
+          </a:p>
+          <a:p>
+            <a:pPr lvl="1"/>
+            <a:r>
+              <a:rPr lang="en-US" dirty="0" smtClean="0"/>
+              <a:t>Transactions are reduced to 345,957</a:t>
+            </a:r>
+          </a:p>
+          <a:p>
+            <a:pPr lvl="1"/>
+            <a:endParaRPr lang="en-US" dirty="0"/>
+          </a:p>
+        </p:txBody>
+      </p:sp>
+    </p:spTree>
+    <p:extLst>
+      <p:ext uri="{BB962C8B-B14F-4D97-AF65-F5344CB8AC3E}">
+        <p14:creationId xmlns:p14="http://schemas.microsoft.com/office/powerpoint/2010/main" val="3665204736"/>
+      </p:ext>
+    </p:extLst>
+  </p:cSld>
+  <p:clrMapOvr>
+    <a:masterClrMapping/>
+  </p:clrMapOvr>
+  <p:timing>
+    <p:tnLst>
+      <p:par>
+        <p:cTn id="1" dur="indefinite" restart="never" nodeType="tmRoot"/>
+      </p:par>
+    </p:tnLst>
+  </p:timing>
+</p:sld>
+</file>
+
+<file path=ppt/slides/slide8.xml><?xml version="1.0" encoding="utf-8"?>
 <p:sld xmlns:a="http://schemas.openxmlformats.org/drawingml/2006/main" xmlns:r="http://schemas.openxmlformats.org/officeDocument/2006/relationships" xmlns:p="http://schemas.openxmlformats.org/presentationml/2006/main">
   <p:cSld>
     <p:spTree>
@@ -6059,6 +8495,68 @@
           </a:extLst>
         </p:spPr>
       </p:pic>
+      <p:sp>
+        <p:nvSpPr>
+          <p:cNvPr id="5" name="TextBox 4"/>
+          <p:cNvSpPr txBox="1"/>
+          <p:nvPr/>
+        </p:nvSpPr>
+        <p:spPr>
+          <a:xfrm>
+            <a:off x="6172200" y="1371600"/>
+            <a:ext cx="2590800" cy="1754326"/>
+          </a:xfrm>
+          <a:prstGeom prst="rect">
+            <a:avLst/>
+          </a:prstGeom>
+          <a:noFill/>
+        </p:spPr>
+        <p:txBody>
+          <a:bodyPr wrap="square" rtlCol="0">
+            <a:spAutoFit/>
+          </a:bodyPr>
+          <a:lstStyle/>
+          <a:p>
+            <a:pPr marL="285750" indent="-285750">
+              <a:buFont typeface="Arial" pitchFamily="34" charset="0"/>
+              <a:buChar char="•"/>
+            </a:pPr>
+            <a:r>
+              <a:rPr lang="en-US" dirty="0" smtClean="0"/>
+              <a:t>Calculate the total items bought by different age</a:t>
+            </a:r>
+          </a:p>
+          <a:p>
+            <a:pPr marL="285750" indent="-285750">
+              <a:buFont typeface="Arial" pitchFamily="34" charset="0"/>
+              <a:buChar char="•"/>
+            </a:pPr>
+            <a:r>
+              <a:rPr lang="en-US" dirty="0" err="1" smtClean="0"/>
+              <a:t>Xlabel</a:t>
+            </a:r>
+            <a:r>
+              <a:rPr lang="en-US" dirty="0" smtClean="0"/>
+              <a:t>: age</a:t>
+            </a:r>
+          </a:p>
+          <a:p>
+            <a:pPr marL="285750" indent="-285750">
+              <a:buFont typeface="Arial" pitchFamily="34" charset="0"/>
+              <a:buChar char="•"/>
+            </a:pPr>
+            <a:r>
+              <a:rPr lang="en-US" dirty="0" err="1" smtClean="0"/>
+              <a:t>Ylabel</a:t>
+            </a:r>
+            <a:r>
+              <a:rPr lang="en-US" dirty="0" smtClean="0"/>
+              <a:t>: number of items</a:t>
+            </a:r>
+            <a:endParaRPr lang="en-US" dirty="0"/>
+          </a:p>
+        </p:txBody>
+      </p:sp>
     </p:spTree>
     <p:extLst>
       <p:ext uri="{BB962C8B-B14F-4D97-AF65-F5344CB8AC3E}">
@@ -6069,10 +8567,142 @@
   <p:clrMapOvr>
     <a:masterClrMapping/>
   </p:clrMapOvr>
+  <p:timing>
+    <p:tnLst>
+      <p:par>
+        <p:cTn id="1" dur="indefinite" restart="never" nodeType="tmRoot">
+          <p:childTnLst>
+            <p:seq concurrent="1" nextAc="seek">
+              <p:cTn id="2" dur="indefinite" nodeType="mainSeq">
+                <p:childTnLst>
+                  <p:par>
+                    <p:cTn id="3" fill="hold">
+                      <p:stCondLst>
+                        <p:cond delay="indefinite"/>
+                      </p:stCondLst>
+                      <p:childTnLst>
+                        <p:par>
+                          <p:cTn id="4" fill="hold">
+                            <p:stCondLst>
+                              <p:cond delay="0"/>
+                            </p:stCondLst>
+                            <p:childTnLst>
+                              <p:par>
+                                <p:cTn id="5" presetID="42" presetClass="entr" presetSubtype="0" fill="hold" grpId="0" nodeType="clickEffect">
+                                  <p:stCondLst>
+                                    <p:cond delay="0"/>
+                                  </p:stCondLst>
+                                  <p:childTnLst>
+                                    <p:set>
+                                      <p:cBhvr>
+                                        <p:cTn id="6" dur="1" fill="hold">
+                                          <p:stCondLst>
+                                            <p:cond delay="0"/>
+                                          </p:stCondLst>
+                                        </p:cTn>
+                                        <p:tgtEl>
+                                          <p:spTgt spid="5"/>
+                                        </p:tgtEl>
+                                        <p:attrNameLst>
+                                          <p:attrName>style.visibility</p:attrName>
+                                        </p:attrNameLst>
+                                      </p:cBhvr>
+                                      <p:to>
+                                        <p:strVal val="visible"/>
+                                      </p:to>
+                                    </p:set>
+                                    <p:animEffect transition="in" filter="fade">
+                                      <p:cBhvr>
+                                        <p:cTn id="7" dur="1000"/>
+                                        <p:tgtEl>
+                                          <p:spTgt spid="5"/>
+                                        </p:tgtEl>
+                                      </p:cBhvr>
+                                    </p:animEffect>
+                                    <p:anim calcmode="lin" valueType="num">
+                                      <p:cBhvr>
+                                        <p:cTn id="8" dur="1000" fill="hold"/>
+                                        <p:tgtEl>
+                                          <p:spTgt spid="5"/>
+                                        </p:tgtEl>
+                                        <p:attrNameLst>
+                                          <p:attrName>ppt_x</p:attrName>
+                                        </p:attrNameLst>
+                                      </p:cBhvr>
+                                      <p:tavLst>
+                                        <p:tav tm="0">
+                                          <p:val>
+                                            <p:strVal val="#ppt_x"/>
+                                          </p:val>
+                                        </p:tav>
+                                        <p:tav tm="100000">
+                                          <p:val>
+                                            <p:strVal val="#ppt_x"/>
+                                          </p:val>
+                                        </p:tav>
+                                      </p:tavLst>
+                                    </p:anim>
+                                    <p:anim calcmode="lin" valueType="num">
+                                      <p:cBhvr>
+                                        <p:cTn id="9" dur="1000" fill="hold"/>
+                                        <p:tgtEl>
+                                          <p:spTgt spid="5"/>
+                                        </p:tgtEl>
+                                        <p:attrNameLst>
+                                          <p:attrName>ppt_y</p:attrName>
+                                        </p:attrNameLst>
+                                      </p:cBhvr>
+                                      <p:tavLst>
+                                        <p:tav tm="0">
+                                          <p:val>
+                                            <p:strVal val="#ppt_y+.1"/>
+                                          </p:val>
+                                        </p:tav>
+                                        <p:tav tm="100000">
+                                          <p:val>
+                                            <p:strVal val="#ppt_y"/>
+                                          </p:val>
+                                        </p:tav>
+                                      </p:tavLst>
+                                    </p:anim>
+                                  </p:childTnLst>
+                                </p:cTn>
+                              </p:par>
+                            </p:childTnLst>
+                          </p:cTn>
+                        </p:par>
+                      </p:childTnLst>
+                    </p:cTn>
+                  </p:par>
+                </p:childTnLst>
+              </p:cTn>
+              <p:prevCondLst>
+                <p:cond evt="onPrev" delay="0">
+                  <p:tgtEl>
+                    <p:sldTgt/>
+                  </p:tgtEl>
+                </p:cond>
+              </p:prevCondLst>
+              <p:nextCondLst>
+                <p:cond evt="onNext" delay="0">
+                  <p:tgtEl>
+                    <p:sldTgt/>
+                  </p:tgtEl>
+                </p:cond>
+              </p:nextCondLst>
+            </p:seq>
+          </p:childTnLst>
+        </p:cTn>
+      </p:par>
+    </p:tnLst>
+    <p:bldLst>
+      <p:bldP spid="5" grpId="0"/>
+    </p:bldLst>
+  </p:timing>
 </p:sld>
 </file>
 
-<file path=ppt/slides/slide6.xml><?xml version="1.0" encoding="utf-8"?>
+<file path=ppt/slides/slide9.xml><?xml version="1.0" encoding="utf-8"?>
 <p:sld xmlns:a="http://schemas.openxmlformats.org/drawingml/2006/main" xmlns:r="http://schemas.openxmlformats.org/officeDocument/2006/relationships" xmlns:p="http://schemas.openxmlformats.org/presentationml/2006/main">
   <p:cSld>
     <p:spTree>
@@ -6164,6 +8794,68 @@
           </a:extLst>
         </p:spPr>
       </p:pic>
+      <p:sp>
+        <p:nvSpPr>
+          <p:cNvPr id="5" name="TextBox 4"/>
+          <p:cNvSpPr txBox="1"/>
+          <p:nvPr/>
+        </p:nvSpPr>
+        <p:spPr>
+          <a:xfrm>
+            <a:off x="6172200" y="1371600"/>
+            <a:ext cx="2590800" cy="1754326"/>
+          </a:xfrm>
+          <a:prstGeom prst="rect">
+            <a:avLst/>
+          </a:prstGeom>
+          <a:noFill/>
+        </p:spPr>
+        <p:txBody>
+          <a:bodyPr wrap="square" rtlCol="0">
+            <a:spAutoFit/>
+          </a:bodyPr>
+          <a:lstStyle/>
+          <a:p>
+            <a:pPr marL="285750" indent="-285750">
+              <a:buFont typeface="Arial" pitchFamily="34" charset="0"/>
+              <a:buChar char="•"/>
+            </a:pPr>
+            <a:r>
+              <a:rPr lang="en-US" dirty="0" smtClean="0"/>
+              <a:t>Calculate the total items bought by different location</a:t>
+            </a:r>
+          </a:p>
+          <a:p>
+            <a:pPr marL="285750" indent="-285750">
+              <a:buFont typeface="Arial" pitchFamily="34" charset="0"/>
+              <a:buChar char="•"/>
+            </a:pPr>
+            <a:r>
+              <a:rPr lang="en-US" dirty="0" err="1" smtClean="0"/>
+              <a:t>Xlabel</a:t>
+            </a:r>
+            <a:r>
+              <a:rPr lang="en-US" dirty="0" smtClean="0"/>
+              <a:t>: location</a:t>
+            </a:r>
+          </a:p>
+          <a:p>
+            <a:pPr marL="285750" indent="-285750">
+              <a:buFont typeface="Arial" pitchFamily="34" charset="0"/>
+              <a:buChar char="•"/>
+            </a:pPr>
+            <a:r>
+              <a:rPr lang="en-US" dirty="0" err="1" smtClean="0"/>
+              <a:t>Ylabel</a:t>
+            </a:r>
+            <a:r>
+              <a:rPr lang="en-US" dirty="0" smtClean="0"/>
+              <a:t>: number of items</a:t>
+            </a:r>
+            <a:endParaRPr lang="en-US" dirty="0"/>
+          </a:p>
+        </p:txBody>
+      </p:sp>
     </p:spTree>
     <p:extLst>
       <p:ext uri="{BB962C8B-B14F-4D97-AF65-F5344CB8AC3E}">
@@ -6174,257 +8866,138 @@
   <p:clrMapOvr>
     <a:masterClrMapping/>
   </p:clrMapOvr>
-</p:sld>
-</file>
-
-<file path=ppt/slides/slide7.xml><?xml version="1.0" encoding="utf-8"?>
-<p:sld xmlns:a="http://schemas.openxmlformats.org/drawingml/2006/main" xmlns:r="http://schemas.openxmlformats.org/officeDocument/2006/relationships" xmlns:p="http://schemas.openxmlformats.org/presentationml/2006/main">
-  <p:cSld>
-    <p:spTree>
-      <p:nvGrpSpPr>
-        <p:cNvPr id="1" name=""/>
-        <p:cNvGrpSpPr/>
-        <p:nvPr/>
-      </p:nvGrpSpPr>
-      <p:grpSpPr>
-        <a:xfrm>
-          <a:off x="0" y="0"/>
-          <a:ext cx="0" cy="0"/>
-          <a:chOff x="0" y="0"/>
-          <a:chExt cx="0" cy="0"/>
-        </a:xfrm>
-      </p:grpSpPr>
-      <p:sp>
-        <p:nvSpPr>
-          <p:cNvPr id="2" name="Title 1"/>
-          <p:cNvSpPr>
-            <a:spLocks noGrp="1"/>
-          </p:cNvSpPr>
-          <p:nvPr>
-            <p:ph type="title"/>
-          </p:nvPr>
-        </p:nvSpPr>
-        <p:spPr/>
-        <p:txBody>
-          <a:bodyPr/>
-          <a:lstStyle/>
-          <a:p>
-            <a:r>
-              <a:rPr lang="en-US" dirty="0" smtClean="0"/>
-              <a:t>Summary</a:t>
-            </a:r>
-            <a:endParaRPr lang="en-US" dirty="0"/>
-          </a:p>
-        </p:txBody>
-      </p:sp>
-      <p:sp>
-        <p:nvSpPr>
-          <p:cNvPr id="3" name="Content Placeholder 2"/>
-          <p:cNvSpPr>
-            <a:spLocks noGrp="1"/>
-          </p:cNvSpPr>
-          <p:nvPr>
-            <p:ph idx="1"/>
-          </p:nvPr>
-        </p:nvSpPr>
-        <p:spPr/>
-        <p:txBody>
-          <a:bodyPr/>
-          <a:lstStyle/>
-          <a:p>
-            <a:endParaRPr lang="en-US"/>
-          </a:p>
-        </p:txBody>
-      </p:sp>
-    </p:spTree>
-    <p:extLst>
-      <p:ext uri="{BB962C8B-B14F-4D97-AF65-F5344CB8AC3E}">
-        <p14:creationId xmlns:p14="http://schemas.microsoft.com/office/powerpoint/2010/main" val="2721953889"/>
-      </p:ext>
-    </p:extLst>
-  </p:cSld>
-  <p:clrMapOvr>
-    <a:masterClrMapping/>
-  </p:clrMapOvr>
-</p:sld>
-</file>
-
-<file path=ppt/slides/slide8.xml><?xml version="1.0" encoding="utf-8"?>
-<p:sld xmlns:a="http://schemas.openxmlformats.org/drawingml/2006/main" xmlns:r="http://schemas.openxmlformats.org/officeDocument/2006/relationships" xmlns:p="http://schemas.openxmlformats.org/presentationml/2006/main">
-  <p:cSld>
-    <p:spTree>
-      <p:nvGrpSpPr>
-        <p:cNvPr id="1" name=""/>
-        <p:cNvGrpSpPr/>
-        <p:nvPr/>
-      </p:nvGrpSpPr>
-      <p:grpSpPr>
-        <a:xfrm>
-          <a:off x="0" y="0"/>
-          <a:ext cx="0" cy="0"/>
-          <a:chOff x="0" y="0"/>
-          <a:chExt cx="0" cy="0"/>
-        </a:xfrm>
-      </p:grpSpPr>
-      <p:sp>
-        <p:nvSpPr>
-          <p:cNvPr id="2" name="Title 1"/>
-          <p:cNvSpPr>
-            <a:spLocks noGrp="1"/>
-          </p:cNvSpPr>
-          <p:nvPr>
-            <p:ph type="title"/>
-          </p:nvPr>
-        </p:nvSpPr>
-        <p:spPr/>
-        <p:txBody>
-          <a:bodyPr/>
-          <a:lstStyle/>
-          <a:p>
-            <a:r>
-              <a:rPr lang="en-US" dirty="0" smtClean="0"/>
-              <a:t>References</a:t>
-            </a:r>
-            <a:endParaRPr lang="en-US" dirty="0"/>
-          </a:p>
-        </p:txBody>
-      </p:sp>
-      <p:sp>
-        <p:nvSpPr>
-          <p:cNvPr id="3" name="Content Placeholder 2"/>
-          <p:cNvSpPr>
-            <a:spLocks noGrp="1"/>
-          </p:cNvSpPr>
-          <p:nvPr>
-            <p:ph idx="1"/>
-          </p:nvPr>
-        </p:nvSpPr>
-        <p:spPr/>
-        <p:txBody>
-          <a:bodyPr/>
-          <a:lstStyle/>
-          <a:p>
-            <a:r>
-              <a:rPr lang="en-US" dirty="0" err="1" smtClean="0"/>
-              <a:t>TaFeng</a:t>
-            </a:r>
-            <a:r>
-              <a:rPr lang="en-US" dirty="0" smtClean="0"/>
-              <a:t> data set, </a:t>
-            </a:r>
-            <a:r>
-              <a:rPr lang="en-US" dirty="0"/>
-              <a:t>Artificial Intelligence for Investigating Anti-cancer solutions, Institute of Information Science, Academia </a:t>
-            </a:r>
-            <a:r>
-              <a:rPr lang="en-US" dirty="0" err="1"/>
-              <a:t>Sinica</a:t>
-            </a:r>
-            <a:r>
-              <a:rPr lang="en-US" dirty="0"/>
-              <a:t>, Taiwan </a:t>
-            </a:r>
-            <a:r>
-              <a:rPr lang="en-US" dirty="0" smtClean="0"/>
-              <a:t>(</a:t>
-            </a:r>
-            <a:r>
-              <a:rPr lang="en-US" u="sng" dirty="0">
-                <a:solidFill>
-                  <a:schemeClr val="tx1"/>
-                </a:solidFill>
-                <a:hlinkClick r:id="rId2"/>
-              </a:rPr>
-              <a:t>http://</a:t>
-            </a:r>
-            <a:r>
-              <a:rPr lang="en-US" u="sng" dirty="0" smtClean="0">
-                <a:solidFill>
-                  <a:schemeClr val="tx1"/>
-                </a:solidFill>
-                <a:hlinkClick r:id="rId2"/>
-              </a:rPr>
-              <a:t>aiia.iis.sinica.edu.tw/index.php?option=com_docman&amp;task=cat_view&amp;gid=34&amp;dir=DESC&amp;order=date&amp;limit=5&amp;limitstart=5</a:t>
-            </a:r>
-            <a:r>
-              <a:rPr lang="en-US" u="sng" dirty="0" smtClean="0"/>
-              <a:t>)</a:t>
-            </a:r>
-            <a:endParaRPr lang="en-US" dirty="0"/>
-          </a:p>
-        </p:txBody>
-      </p:sp>
-    </p:spTree>
-    <p:extLst>
-      <p:ext uri="{BB962C8B-B14F-4D97-AF65-F5344CB8AC3E}">
-        <p14:creationId xmlns:p14="http://schemas.microsoft.com/office/powerpoint/2010/main" val="2692674786"/>
-      </p:ext>
-    </p:extLst>
-  </p:cSld>
-  <p:clrMapOvr>
-    <a:masterClrMapping/>
-  </p:clrMapOvr>
-</p:sld>
-</file>
-
-<file path=ppt/slides/slide9.xml><?xml version="1.0" encoding="utf-8"?>
-<p:sld xmlns:a="http://schemas.openxmlformats.org/drawingml/2006/main" xmlns:r="http://schemas.openxmlformats.org/officeDocument/2006/relationships" xmlns:p="http://schemas.openxmlformats.org/presentationml/2006/main">
-  <p:cSld>
-    <p:spTree>
-      <p:nvGrpSpPr>
-        <p:cNvPr id="1" name=""/>
-        <p:cNvGrpSpPr/>
-        <p:nvPr/>
-      </p:nvGrpSpPr>
-      <p:grpSpPr>
-        <a:xfrm>
-          <a:off x="0" y="0"/>
-          <a:ext cx="0" cy="0"/>
-          <a:chOff x="0" y="0"/>
-          <a:chExt cx="0" cy="0"/>
-        </a:xfrm>
-      </p:grpSpPr>
-      <p:sp>
-        <p:nvSpPr>
-          <p:cNvPr id="2" name="Title 1"/>
-          <p:cNvSpPr>
-            <a:spLocks noGrp="1"/>
-          </p:cNvSpPr>
-          <p:nvPr>
-            <p:ph type="title"/>
-          </p:nvPr>
-        </p:nvSpPr>
-        <p:spPr>
-          <a:xfrm>
-            <a:off x="457200" y="2895600"/>
-            <a:ext cx="8229600" cy="914400"/>
-          </a:xfrm>
-        </p:spPr>
-        <p:txBody>
-          <a:bodyPr>
-            <a:noAutofit/>
-          </a:bodyPr>
-          <a:lstStyle/>
-          <a:p>
-            <a:pPr algn="ctr"/>
-            <a:r>
-              <a:rPr lang="en-US" sz="6000" dirty="0" smtClean="0"/>
-              <a:t>Questions?</a:t>
-            </a:r>
-            <a:endParaRPr lang="en-US" sz="6000" dirty="0"/>
-          </a:p>
-        </p:txBody>
-      </p:sp>
-    </p:spTree>
-    <p:extLst>
-      <p:ext uri="{BB962C8B-B14F-4D97-AF65-F5344CB8AC3E}">
-        <p14:creationId xmlns:p14="http://schemas.microsoft.com/office/powerpoint/2010/main" val="1734649512"/>
-      </p:ext>
-    </p:extLst>
-  </p:cSld>
-  <p:clrMapOvr>
-    <a:masterClrMapping/>
-  </p:clrMapOvr>
+  <p:timing>
+    <p:tnLst>
+      <p:par>
+        <p:cTn id="1" dur="indefinite" restart="never" nodeType="tmRoot">
+          <p:childTnLst>
+            <p:seq concurrent="1" nextAc="seek">
+              <p:cTn id="2" dur="indefinite" nodeType="mainSeq">
+                <p:childTnLst>
+                  <p:par>
+                    <p:cTn id="3" fill="hold">
+                      <p:stCondLst>
+                        <p:cond delay="indefinite"/>
+                      </p:stCondLst>
+                      <p:childTnLst>
+                        <p:par>
+                          <p:cTn id="4" fill="hold">
+                            <p:stCondLst>
+                              <p:cond delay="0"/>
+                            </p:stCondLst>
+                            <p:childTnLst>
+                              <p:par>
+                                <p:cTn id="5" presetID="42" presetClass="entr" presetSubtype="0" fill="hold" grpId="0" nodeType="clickEffect">
+                                  <p:stCondLst>
+                                    <p:cond delay="0"/>
+                                  </p:stCondLst>
+                                  <p:childTnLst>
+                                    <p:set>
+                                      <p:cBhvr>
+                                        <p:cTn id="6" dur="1" fill="hold">
+                                          <p:stCondLst>
+                                            <p:cond delay="0"/>
+                                          </p:stCondLst>
+                                        </p:cTn>
+                                        <p:tgtEl>
+                                          <p:spTgt spid="5"/>
+                                        </p:tgtEl>
+                                        <p:attrNameLst>
+                                          <p:attrName>style.visibility</p:attrName>
+                                        </p:attrNameLst>
+                                      </p:cBhvr>
+                                      <p:to>
+                                        <p:strVal val="visible"/>
+                                      </p:to>
+                                    </p:set>
+                                    <p:animEffect transition="in" filter="fade">
+                                      <p:cBhvr>
+                                        <p:cTn id="7" dur="1000"/>
+                                        <p:tgtEl>
+                                          <p:spTgt spid="5"/>
+                                        </p:tgtEl>
+                                      </p:cBhvr>
+                                    </p:animEffect>
+                                    <p:anim calcmode="lin" valueType="num">
+                                      <p:cBhvr>
+                                        <p:cTn id="8" dur="1000" fill="hold"/>
+                                        <p:tgtEl>
+                                          <p:spTgt spid="5"/>
+                                        </p:tgtEl>
+                                        <p:attrNameLst>
+                                          <p:attrName>ppt_x</p:attrName>
+                                        </p:attrNameLst>
+                                      </p:cBhvr>
+                                      <p:tavLst>
+                                        <p:tav tm="0">
+                                          <p:val>
+                                            <p:strVal val="#ppt_x"/>
+                                          </p:val>
+                                        </p:tav>
+                                        <p:tav tm="100000">
+                                          <p:val>
+                                            <p:strVal val="#ppt_x"/>
+                                          </p:val>
+                                        </p:tav>
+                                      </p:tavLst>
+                                    </p:anim>
+                                    <p:anim calcmode="lin" valueType="num">
+                                      <p:cBhvr>
+                                        <p:cTn id="9" dur="1000" fill="hold"/>
+                                        <p:tgtEl>
+                                          <p:spTgt spid="5"/>
+                                        </p:tgtEl>
+                                        <p:attrNameLst>
+                                          <p:attrName>ppt_y</p:attrName>
+                                        </p:attrNameLst>
+                                      </p:cBhvr>
+                                      <p:tavLst>
+                                        <p:tav tm="0">
+                                          <p:val>
+                                            <p:strVal val="#ppt_y+.1"/>
+                                          </p:val>
+                                        </p:tav>
+                                        <p:tav tm="100000">
+                                          <p:val>
+                                            <p:strVal val="#ppt_y"/>
+                                          </p:val>
+                                        </p:tav>
+                                      </p:tavLst>
+                                    </p:anim>
+                                  </p:childTnLst>
+                                </p:cTn>
+                              </p:par>
+                            </p:childTnLst>
+                          </p:cTn>
+                        </p:par>
+                      </p:childTnLst>
+                    </p:cTn>
+                  </p:par>
+                </p:childTnLst>
+              </p:cTn>
+              <p:prevCondLst>
+                <p:cond evt="onPrev" delay="0">
+                  <p:tgtEl>
+                    <p:sldTgt/>
+                  </p:tgtEl>
+                </p:cond>
+              </p:prevCondLst>
+              <p:nextCondLst>
+                <p:cond evt="onNext" delay="0">
+                  <p:tgtEl>
+                    <p:sldTgt/>
+                  </p:tgtEl>
+                </p:cond>
+              </p:nextCondLst>
+            </p:seq>
+          </p:childTnLst>
+        </p:cTn>
+      </p:par>
+    </p:tnLst>
+    <p:bldLst>
+      <p:bldP spid="5" grpId="0"/>
+    </p:bldLst>
+  </p:timing>
 </p:sld>
 </file>
 

--- a/Advertising Positioning.pptx
+++ b/Advertising Positioning.pptx
@@ -19,9 +19,10 @@
     <p:sldId id="269" r:id="rId13"/>
     <p:sldId id="272" r:id="rId14"/>
     <p:sldId id="270" r:id="rId15"/>
-    <p:sldId id="258" r:id="rId16"/>
-    <p:sldId id="260" r:id="rId17"/>
-    <p:sldId id="259" r:id="rId18"/>
+    <p:sldId id="273" r:id="rId16"/>
+    <p:sldId id="258" r:id="rId17"/>
+    <p:sldId id="260" r:id="rId18"/>
+    <p:sldId id="259" r:id="rId19"/>
   </p:sldIdLst>
   <p:sldSz cx="9144000" cy="6858000" type="screen4x3"/>
   <p:notesSz cx="6858000" cy="9144000"/>
@@ -6999,7 +7000,7 @@
           <a:p>
             <a:r>
               <a:rPr lang="en-US" dirty="0" smtClean="0"/>
-              <a:t>Summary</a:t>
+              <a:t>Advertising rules</a:t>
             </a:r>
             <a:endParaRPr lang="en-US" dirty="0"/>
           </a:p>
@@ -7020,14 +7021,82 @@
           <a:bodyPr/>
           <a:lstStyle/>
           <a:p>
-            <a:endParaRPr lang="en-US"/>
+            <a:r>
+              <a:rPr lang="en-US" dirty="0" smtClean="0"/>
+              <a:t>Date: to find the day which has the largest transaction</a:t>
+            </a:r>
+          </a:p>
+          <a:p>
+            <a:r>
+              <a:rPr lang="en-US" dirty="0" smtClean="0"/>
+              <a:t>Product: to find the product who sold the best</a:t>
+            </a:r>
+          </a:p>
+          <a:p>
+            <a:r>
+              <a:rPr lang="en-US" dirty="0" smtClean="0"/>
+              <a:t>Customer: to find some people who frequently buy products</a:t>
+            </a:r>
+          </a:p>
+          <a:p>
+            <a:r>
+              <a:rPr lang="en-US" dirty="0" smtClean="0"/>
+              <a:t>Age: to find the range of age who most likely to buy products</a:t>
+            </a:r>
+          </a:p>
+          <a:p>
+            <a:r>
+              <a:rPr lang="en-US" dirty="0" smtClean="0"/>
+              <a:t>Location: to find the location where buy the most of products</a:t>
+            </a:r>
+          </a:p>
+          <a:p>
+            <a:r>
+              <a:rPr lang="en-US" dirty="0" smtClean="0"/>
+              <a:t>Association rules: We use this information in business to make marketing decisions. </a:t>
+            </a:r>
+            <a:r>
+              <a:rPr lang="en-US" dirty="0"/>
+              <a:t>F</a:t>
+            </a:r>
+            <a:r>
+              <a:rPr lang="en-US" dirty="0" smtClean="0"/>
+              <a:t>or example, if we already know the area E is saturated with our product </a:t>
+            </a:r>
+            <a:r>
+              <a:rPr lang="en-US" dirty="0"/>
+              <a:t>4710085120161 </a:t>
+            </a:r>
+            <a:r>
+              <a:rPr lang="en-US" dirty="0" smtClean="0"/>
+              <a:t>, then we do not need to put more money into advertising for this area. </a:t>
+            </a:r>
+            <a:r>
+              <a:rPr lang="en-US" dirty="0"/>
+              <a:t>W</a:t>
+            </a:r>
+            <a:r>
+              <a:rPr lang="en-US" dirty="0" smtClean="0"/>
+              <a:t>e already know this area has purchased </a:t>
+            </a:r>
+            <a:r>
+              <a:rPr lang="en-US" dirty="0"/>
+              <a:t>4710085120161 </a:t>
+            </a:r>
+            <a:r>
+              <a:rPr lang="en-US" dirty="0" smtClean="0"/>
+              <a:t> a lot.</a:t>
+            </a:r>
+          </a:p>
+          <a:p>
+            <a:endParaRPr lang="en-US" dirty="0" smtClean="0"/>
           </a:p>
         </p:txBody>
       </p:sp>
     </p:spTree>
     <p:extLst>
       <p:ext uri="{BB962C8B-B14F-4D97-AF65-F5344CB8AC3E}">
-        <p14:creationId xmlns:p14="http://schemas.microsoft.com/office/powerpoint/2010/main" val="2721953889"/>
+        <p14:creationId xmlns:p14="http://schemas.microsoft.com/office/powerpoint/2010/main" val="1875487887"/>
       </p:ext>
     </p:extLst>
   </p:cSld>
@@ -7078,6 +7147,115 @@
           <a:p>
             <a:r>
               <a:rPr lang="en-US" dirty="0" smtClean="0"/>
+              <a:t>Summary</a:t>
+            </a:r>
+            <a:endParaRPr lang="en-US" dirty="0"/>
+          </a:p>
+        </p:txBody>
+      </p:sp>
+      <p:sp>
+        <p:nvSpPr>
+          <p:cNvPr id="3" name="Content Placeholder 2"/>
+          <p:cNvSpPr>
+            <a:spLocks noGrp="1"/>
+          </p:cNvSpPr>
+          <p:nvPr>
+            <p:ph idx="1"/>
+          </p:nvPr>
+        </p:nvSpPr>
+        <p:spPr/>
+        <p:txBody>
+          <a:bodyPr/>
+          <a:lstStyle/>
+          <a:p>
+            <a:r>
+              <a:rPr lang="en-US" sz="2800" dirty="0"/>
+              <a:t>Our Dataset</a:t>
+            </a:r>
+          </a:p>
+          <a:p>
+            <a:r>
+              <a:rPr lang="en-US" sz="2800" dirty="0"/>
+              <a:t>Method</a:t>
+            </a:r>
+          </a:p>
+          <a:p>
+            <a:r>
+              <a:rPr lang="en-US" sz="2800" dirty="0"/>
+              <a:t>Data Trends</a:t>
+            </a:r>
+          </a:p>
+          <a:p>
+            <a:r>
+              <a:rPr lang="en-US" sz="2800" dirty="0"/>
+              <a:t>Results</a:t>
+            </a:r>
+          </a:p>
+          <a:p>
+            <a:r>
+              <a:rPr lang="en-US" sz="2800" dirty="0"/>
+              <a:t>Summary</a:t>
+            </a:r>
+          </a:p>
+          <a:p>
+            <a:endParaRPr lang="en-US" dirty="0"/>
+          </a:p>
+        </p:txBody>
+      </p:sp>
+    </p:spTree>
+    <p:extLst>
+      <p:ext uri="{BB962C8B-B14F-4D97-AF65-F5344CB8AC3E}">
+        <p14:creationId xmlns:p14="http://schemas.microsoft.com/office/powerpoint/2010/main" val="2721953889"/>
+      </p:ext>
+    </p:extLst>
+  </p:cSld>
+  <p:clrMapOvr>
+    <a:masterClrMapping/>
+  </p:clrMapOvr>
+  <p:timing>
+    <p:tnLst>
+      <p:par>
+        <p:cTn id="1" dur="indefinite" restart="never" nodeType="tmRoot"/>
+      </p:par>
+    </p:tnLst>
+  </p:timing>
+</p:sld>
+</file>
+
+<file path=ppt/slides/slide17.xml><?xml version="1.0" encoding="utf-8"?>
+<p:sld xmlns:a="http://schemas.openxmlformats.org/drawingml/2006/main" xmlns:r="http://schemas.openxmlformats.org/officeDocument/2006/relationships" xmlns:p="http://schemas.openxmlformats.org/presentationml/2006/main">
+  <p:cSld>
+    <p:spTree>
+      <p:nvGrpSpPr>
+        <p:cNvPr id="1" name=""/>
+        <p:cNvGrpSpPr/>
+        <p:nvPr/>
+      </p:nvGrpSpPr>
+      <p:grpSpPr>
+        <a:xfrm>
+          <a:off x="0" y="0"/>
+          <a:ext cx="0" cy="0"/>
+          <a:chOff x="0" y="0"/>
+          <a:chExt cx="0" cy="0"/>
+        </a:xfrm>
+      </p:grpSpPr>
+      <p:sp>
+        <p:nvSpPr>
+          <p:cNvPr id="2" name="Title 1"/>
+          <p:cNvSpPr>
+            <a:spLocks noGrp="1"/>
+          </p:cNvSpPr>
+          <p:nvPr>
+            <p:ph type="title"/>
+          </p:nvPr>
+        </p:nvSpPr>
+        <p:spPr/>
+        <p:txBody>
+          <a:bodyPr/>
+          <a:lstStyle/>
+          <a:p>
+            <a:r>
+              <a:rPr lang="en-US" dirty="0" smtClean="0"/>
               <a:t>References</a:t>
             </a:r>
             <a:endParaRPr lang="en-US" dirty="0"/>
@@ -7169,7 +7347,7 @@
 </p:sld>
 </file>
 
-<file path=ppt/slides/slide17.xml><?xml version="1.0" encoding="utf-8"?>
+<file path=ppt/slides/slide18.xml><?xml version="1.0" encoding="utf-8"?>
 <p:sld xmlns:a="http://schemas.openxmlformats.org/drawingml/2006/main" xmlns:r="http://schemas.openxmlformats.org/officeDocument/2006/relationships" xmlns:p="http://schemas.openxmlformats.org/presentationml/2006/main">
   <p:cSld>
     <p:spTree>
@@ -7289,10 +7467,40 @@
         </p:nvSpPr>
         <p:spPr/>
         <p:txBody>
-          <a:bodyPr/>
+          <a:bodyPr>
+            <a:normAutofit/>
+          </a:bodyPr>
           <a:lstStyle/>
           <a:p>
-            <a:endParaRPr lang="en-US"/>
+            <a:r>
+              <a:rPr lang="en-US" sz="2800" dirty="0" smtClean="0"/>
+              <a:t>Our Dataset</a:t>
+            </a:r>
+          </a:p>
+          <a:p>
+            <a:r>
+              <a:rPr lang="en-US" sz="2800" dirty="0" smtClean="0"/>
+              <a:t>Method</a:t>
+            </a:r>
+          </a:p>
+          <a:p>
+            <a:r>
+              <a:rPr lang="en-US" sz="2800" dirty="0" smtClean="0"/>
+              <a:t>Data Trends</a:t>
+            </a:r>
+          </a:p>
+          <a:p>
+            <a:r>
+              <a:rPr lang="en-US" sz="2800" dirty="0" smtClean="0"/>
+              <a:t>Results</a:t>
+            </a:r>
+          </a:p>
+          <a:p>
+            <a:r>
+              <a:rPr lang="en-US" sz="2800" dirty="0" smtClean="0"/>
+              <a:t>Summary</a:t>
+            </a:r>
+            <a:endParaRPr lang="en-US" sz="2800" dirty="0"/>
           </a:p>
         </p:txBody>
       </p:sp>
